--- a/LicenseAssetManager/docs/team10FinalPresentation.pptx
+++ b/LicenseAssetManager/docs/team10FinalPresentation.pptx
@@ -6,17 +6,20 @@
   </p:sldMasterIdLst>
   <p:sldIdLst>
     <p:sldId id="256" r:id="rId2"/>
-    <p:sldId id="257" r:id="rId3"/>
-    <p:sldId id="258" r:id="rId4"/>
-    <p:sldId id="259" r:id="rId5"/>
-    <p:sldId id="260" r:id="rId6"/>
-    <p:sldId id="263" r:id="rId7"/>
-    <p:sldId id="261" r:id="rId8"/>
-    <p:sldId id="264" r:id="rId9"/>
-    <p:sldId id="262" r:id="rId10"/>
-    <p:sldId id="265" r:id="rId11"/>
-    <p:sldId id="266" r:id="rId12"/>
-    <p:sldId id="267" r:id="rId13"/>
+    <p:sldId id="270" r:id="rId3"/>
+    <p:sldId id="257" r:id="rId4"/>
+    <p:sldId id="258" r:id="rId5"/>
+    <p:sldId id="259" r:id="rId6"/>
+    <p:sldId id="260" r:id="rId7"/>
+    <p:sldId id="263" r:id="rId8"/>
+    <p:sldId id="261" r:id="rId9"/>
+    <p:sldId id="264" r:id="rId10"/>
+    <p:sldId id="262" r:id="rId11"/>
+    <p:sldId id="265" r:id="rId12"/>
+    <p:sldId id="266" r:id="rId13"/>
+    <p:sldId id="267" r:id="rId14"/>
+    <p:sldId id="268" r:id="rId15"/>
+    <p:sldId id="269" r:id="rId16"/>
   </p:sldIdLst>
   <p:sldSz cx="12192000" cy="6858000"/>
   <p:notesSz cx="6858000" cy="9144000"/>
@@ -296,7 +299,7 @@
             <a:fld id="{A5B0A250-5CC0-1746-B209-08E8B0DAE6AF}" type="datetimeFigureOut">
               <a:rPr lang="en-US" smtClean="0"/>
               <a:pPr algn="l"/>
-              <a:t>12/5/24</a:t>
+              <a:t>12/8/24</a:t>
             </a:fld>
             <a:endParaRPr lang="en-US" dirty="0"/>
           </a:p>
@@ -609,7 +612,7 @@
             <a:fld id="{A5B0A250-5CC0-1746-B209-08E8B0DAE6AF}" type="datetimeFigureOut">
               <a:rPr lang="en-US" smtClean="0"/>
               <a:pPr/>
-              <a:t>12/5/24</a:t>
+              <a:t>12/8/24</a:t>
             </a:fld>
             <a:endParaRPr lang="en-US" dirty="0"/>
           </a:p>
@@ -833,7 +836,7 @@
             <a:fld id="{A5B0A250-5CC0-1746-B209-08E8B0DAE6AF}" type="datetimeFigureOut">
               <a:rPr lang="en-US" smtClean="0"/>
               <a:pPr/>
-              <a:t>12/5/24</a:t>
+              <a:t>12/8/24</a:t>
             </a:fld>
             <a:endParaRPr lang="en-US" dirty="0"/>
           </a:p>
@@ -1126,7 +1129,7 @@
             <a:fld id="{A5B0A250-5CC0-1746-B209-08E8B0DAE6AF}" type="datetimeFigureOut">
               <a:rPr lang="en-US" smtClean="0"/>
               <a:pPr/>
-              <a:t>12/5/24</a:t>
+              <a:t>12/8/24</a:t>
             </a:fld>
             <a:endParaRPr lang="en-US" dirty="0"/>
           </a:p>
@@ -1582,7 +1585,7 @@
             <a:fld id="{A5B0A250-5CC0-1746-B209-08E8B0DAE6AF}" type="datetimeFigureOut">
               <a:rPr lang="en-US" smtClean="0"/>
               <a:pPr/>
-              <a:t>12/5/24</a:t>
+              <a:t>12/8/24</a:t>
             </a:fld>
             <a:endParaRPr lang="en-US" dirty="0"/>
           </a:p>
@@ -2160,7 +2163,7 @@
             <a:fld id="{A5B0A250-5CC0-1746-B209-08E8B0DAE6AF}" type="datetimeFigureOut">
               <a:rPr lang="en-US" smtClean="0"/>
               <a:pPr/>
-              <a:t>12/5/24</a:t>
+              <a:t>12/8/24</a:t>
             </a:fld>
             <a:endParaRPr lang="en-US" dirty="0"/>
           </a:p>
@@ -3014,7 +3017,7 @@
             <a:fld id="{A5B0A250-5CC0-1746-B209-08E8B0DAE6AF}" type="datetimeFigureOut">
               <a:rPr lang="en-US" smtClean="0"/>
               <a:pPr/>
-              <a:t>12/5/24</a:t>
+              <a:t>12/8/24</a:t>
             </a:fld>
             <a:endParaRPr lang="en-US" dirty="0"/>
           </a:p>
@@ -3221,7 +3224,7 @@
             <a:fld id="{A5B0A250-5CC0-1746-B209-08E8B0DAE6AF}" type="datetimeFigureOut">
               <a:rPr lang="en-US" smtClean="0"/>
               <a:pPr/>
-              <a:t>12/5/24</a:t>
+              <a:t>12/8/24</a:t>
             </a:fld>
             <a:endParaRPr lang="en-US" dirty="0"/>
           </a:p>
@@ -3437,7 +3440,7 @@
             <a:fld id="{A5B0A250-5CC0-1746-B209-08E8B0DAE6AF}" type="datetimeFigureOut">
               <a:rPr lang="en-US" smtClean="0"/>
               <a:pPr/>
-              <a:t>12/5/24</a:t>
+              <a:t>12/8/24</a:t>
             </a:fld>
             <a:endParaRPr lang="en-US" dirty="0"/>
           </a:p>
@@ -3608,7 +3611,7 @@
           <a:p>
             <a:fld id="{A5B0A250-5CC0-1746-B209-08E8B0DAE6AF}" type="datetimeFigureOut">
               <a:rPr lang="en-US" smtClean="0"/>
-              <a:t>12/5/24</a:t>
+              <a:t>12/8/24</a:t>
             </a:fld>
             <a:endParaRPr lang="en-US" dirty="0"/>
           </a:p>
@@ -3814,7 +3817,7 @@
             <a:fld id="{A5B0A250-5CC0-1746-B209-08E8B0DAE6AF}" type="datetimeFigureOut">
               <a:rPr lang="en-US" smtClean="0"/>
               <a:pPr/>
-              <a:t>12/5/24</a:t>
+              <a:t>12/8/24</a:t>
             </a:fld>
             <a:endParaRPr lang="en-US" dirty="0"/>
           </a:p>
@@ -4095,7 +4098,7 @@
           <a:p>
             <a:fld id="{A5B0A250-5CC0-1746-B209-08E8B0DAE6AF}" type="datetimeFigureOut">
               <a:rPr lang="en-US" smtClean="0"/>
-              <a:t>12/5/24</a:t>
+              <a:t>12/8/24</a:t>
             </a:fld>
             <a:endParaRPr lang="en-US" dirty="0"/>
           </a:p>
@@ -4363,7 +4366,7 @@
             <a:fld id="{A5B0A250-5CC0-1746-B209-08E8B0DAE6AF}" type="datetimeFigureOut">
               <a:rPr lang="en-US" smtClean="0"/>
               <a:pPr/>
-              <a:t>12/5/24</a:t>
+              <a:t>12/8/24</a:t>
             </a:fld>
             <a:endParaRPr lang="en-US" dirty="0"/>
           </a:p>
@@ -4780,7 +4783,7 @@
             <a:fld id="{A5B0A250-5CC0-1746-B209-08E8B0DAE6AF}" type="datetimeFigureOut">
               <a:rPr lang="en-US" smtClean="0"/>
               <a:pPr/>
-              <a:t>12/5/24</a:t>
+              <a:t>12/8/24</a:t>
             </a:fld>
             <a:endParaRPr lang="en-US" dirty="0"/>
           </a:p>
@@ -4929,7 +4932,7 @@
           <a:p>
             <a:fld id="{A5B0A250-5CC0-1746-B209-08E8B0DAE6AF}" type="datetimeFigureOut">
               <a:rPr lang="en-US" smtClean="0"/>
-              <a:t>12/5/24</a:t>
+              <a:t>12/8/24</a:t>
             </a:fld>
             <a:endParaRPr lang="en-US" dirty="0"/>
           </a:p>
@@ -5055,7 +5058,7 @@
             <a:fld id="{A5B0A250-5CC0-1746-B209-08E8B0DAE6AF}" type="datetimeFigureOut">
               <a:rPr lang="en-US" smtClean="0"/>
               <a:pPr/>
-              <a:t>12/5/24</a:t>
+              <a:t>12/8/24</a:t>
             </a:fld>
             <a:endParaRPr lang="en-US" dirty="0"/>
           </a:p>
@@ -5336,7 +5339,7 @@
             <a:fld id="{A5B0A250-5CC0-1746-B209-08E8B0DAE6AF}" type="datetimeFigureOut">
               <a:rPr lang="en-US" smtClean="0"/>
               <a:pPr/>
-              <a:t>12/5/24</a:t>
+              <a:t>12/8/24</a:t>
             </a:fld>
             <a:endParaRPr lang="en-US" dirty="0"/>
           </a:p>
@@ -5649,7 +5652,7 @@
           <a:p>
             <a:fld id="{A5B0A250-5CC0-1746-B209-08E8B0DAE6AF}" type="datetimeFigureOut">
               <a:rPr lang="en-US" smtClean="0"/>
-              <a:t>12/5/24</a:t>
+              <a:t>12/8/24</a:t>
             </a:fld>
             <a:endParaRPr lang="en-US" dirty="0"/>
           </a:p>
@@ -5903,7 +5906,7 @@
             <a:fld id="{A5B0A250-5CC0-1746-B209-08E8B0DAE6AF}" type="datetimeFigureOut">
               <a:rPr lang="en-US" smtClean="0"/>
               <a:pPr/>
-              <a:t>12/5/24</a:t>
+              <a:t>12/8/24</a:t>
             </a:fld>
             <a:endParaRPr lang="en-US" dirty="0"/>
           </a:p>
@@ -6545,6 +6548,53 @@
           </a:p>
         </p:txBody>
       </p:sp>
+      <p:sp>
+        <p:nvSpPr>
+          <p:cNvPr id="6" name="TextBox 5">
+            <a:extLst>
+              <a:ext uri="{FF2B5EF4-FFF2-40B4-BE49-F238E27FC236}">
+                <a16:creationId xmlns:a16="http://schemas.microsoft.com/office/drawing/2014/main" id="{C7CDA7BD-E58B-5E35-BC5A-DC2910764237}"/>
+              </a:ext>
+            </a:extLst>
+          </p:cNvPr>
+          <p:cNvSpPr txBox="1"/>
+          <p:nvPr/>
+        </p:nvSpPr>
+        <p:spPr>
+          <a:xfrm>
+            <a:off x="11493190" y="118946"/>
+            <a:ext cx="415498" cy="369332"/>
+          </a:xfrm>
+          <a:prstGeom prst="rect">
+            <a:avLst/>
+          </a:prstGeom>
+          <a:noFill/>
+        </p:spPr>
+        <p:txBody>
+          <a:bodyPr wrap="none" rtlCol="0">
+            <a:spAutoFit/>
+          </a:bodyPr>
+          <a:lstStyle/>
+          <a:p>
+            <a:r>
+              <a:rPr lang="en-US" dirty="0">
+                <a:highlight>
+                  <a:srgbClr val="00FF00"/>
+                </a:highlight>
+              </a:rPr>
+              <a:t>_</a:t>
+            </a:r>
+            <a:r>
+              <a:rPr lang="en-US" dirty="0">
+                <a:highlight>
+                  <a:srgbClr val="00FFFF"/>
+                </a:highlight>
+              </a:rPr>
+              <a:t>_</a:t>
+            </a:r>
+          </a:p>
+        </p:txBody>
+      </p:sp>
     </p:spTree>
     <p:extLst>
       <p:ext uri="{BB962C8B-B14F-4D97-AF65-F5344CB8AC3E}">
@@ -6580,6 +6630,195 @@
           <p:cNvPr id="2" name="Title 1">
             <a:extLst>
               <a:ext uri="{FF2B5EF4-FFF2-40B4-BE49-F238E27FC236}">
+                <a16:creationId xmlns:a16="http://schemas.microsoft.com/office/drawing/2014/main" id="{D40BEE4D-79BA-E14C-E10C-DA3AC8E92ED1}"/>
+              </a:ext>
+            </a:extLst>
+          </p:cNvPr>
+          <p:cNvSpPr>
+            <a:spLocks noGrp="1"/>
+          </p:cNvSpPr>
+          <p:nvPr>
+            <p:ph type="title"/>
+          </p:nvPr>
+        </p:nvSpPr>
+        <p:spPr>
+          <a:xfrm>
+            <a:off x="913774" y="300942"/>
+            <a:ext cx="10364451" cy="1103524"/>
+          </a:xfrm>
+        </p:spPr>
+        <p:txBody>
+          <a:bodyPr/>
+          <a:lstStyle/>
+          <a:p>
+            <a:r>
+              <a:rPr lang="en-US" dirty="0"/>
+              <a:t>Class diagrams</a:t>
+            </a:r>
+          </a:p>
+        </p:txBody>
+      </p:sp>
+      <p:pic>
+        <p:nvPicPr>
+          <p:cNvPr id="8" name="Picture 2">
+            <a:extLst>
+              <a:ext uri="{FF2B5EF4-FFF2-40B4-BE49-F238E27FC236}">
+                <a16:creationId xmlns:a16="http://schemas.microsoft.com/office/drawing/2014/main" id="{6A4BCBB3-0548-6083-4611-4EFFC17B9864}"/>
+              </a:ext>
+            </a:extLst>
+          </p:cNvPr>
+          <p:cNvPicPr>
+            <a:picLocks noGrp="1" noChangeAspect="1" noChangeArrowheads="1"/>
+          </p:cNvPicPr>
+          <p:nvPr>
+            <p:ph idx="1"/>
+          </p:nvPr>
+        </p:nvPicPr>
+        <p:blipFill>
+          <a:blip r:embed="rId2">
+            <a:extLst>
+              <a:ext uri="{28A0092B-C50C-407E-A947-70E740481C1C}">
+                <a14:useLocalDpi xmlns:a14="http://schemas.microsoft.com/office/drawing/2010/main" val="0"/>
+              </a:ext>
+            </a:extLst>
+          </a:blip>
+          <a:srcRect/>
+          <a:stretch>
+            <a:fillRect/>
+          </a:stretch>
+        </p:blipFill>
+        <p:spPr bwMode="auto">
+          <a:xfrm>
+            <a:off x="222802" y="1404466"/>
+            <a:ext cx="11746396" cy="4352081"/>
+          </a:xfrm>
+          <a:prstGeom prst="rect">
+            <a:avLst/>
+          </a:prstGeom>
+          <a:noFill/>
+          <a:extLst>
+            <a:ext uri="{909E8E84-426E-40DD-AFC4-6F175D3DCCD1}">
+              <a14:hiddenFill xmlns:a14="http://schemas.microsoft.com/office/drawing/2010/main">
+                <a:solidFill>
+                  <a:srgbClr val="FFFFFF"/>
+                </a:solidFill>
+              </a14:hiddenFill>
+            </a:ext>
+          </a:extLst>
+        </p:spPr>
+      </p:pic>
+      <p:sp>
+        <p:nvSpPr>
+          <p:cNvPr id="9" name="TextBox 8">
+            <a:extLst>
+              <a:ext uri="{FF2B5EF4-FFF2-40B4-BE49-F238E27FC236}">
+                <a16:creationId xmlns:a16="http://schemas.microsoft.com/office/drawing/2014/main" id="{1094F232-AE8F-2A70-FDD4-D034D9D32B1B}"/>
+              </a:ext>
+            </a:extLst>
+          </p:cNvPr>
+          <p:cNvSpPr txBox="1"/>
+          <p:nvPr/>
+        </p:nvSpPr>
+        <p:spPr>
+          <a:xfrm>
+            <a:off x="3781062" y="6372392"/>
+            <a:ext cx="4629873" cy="369332"/>
+          </a:xfrm>
+          <a:prstGeom prst="rect">
+            <a:avLst/>
+          </a:prstGeom>
+          <a:noFill/>
+        </p:spPr>
+        <p:txBody>
+          <a:bodyPr wrap="square" rtlCol="0">
+            <a:spAutoFit/>
+          </a:bodyPr>
+          <a:lstStyle/>
+          <a:p>
+            <a:r>
+              <a:rPr lang="en-US" dirty="0"/>
+              <a:t>Created by Visual Studio 2022 from source</a:t>
+            </a:r>
+          </a:p>
+        </p:txBody>
+      </p:sp>
+      <p:sp>
+        <p:nvSpPr>
+          <p:cNvPr id="3" name="TextBox 2">
+            <a:extLst>
+              <a:ext uri="{FF2B5EF4-FFF2-40B4-BE49-F238E27FC236}">
+                <a16:creationId xmlns:a16="http://schemas.microsoft.com/office/drawing/2014/main" id="{DD7EF6DF-E173-2086-3AC3-3318726AC450}"/>
+              </a:ext>
+            </a:extLst>
+          </p:cNvPr>
+          <p:cNvSpPr txBox="1"/>
+          <p:nvPr/>
+        </p:nvSpPr>
+        <p:spPr>
+          <a:xfrm>
+            <a:off x="11619571" y="297366"/>
+            <a:ext cx="300082" cy="646331"/>
+          </a:xfrm>
+          <a:prstGeom prst="rect">
+            <a:avLst/>
+          </a:prstGeom>
+          <a:noFill/>
+        </p:spPr>
+        <p:txBody>
+          <a:bodyPr wrap="none" rtlCol="0">
+            <a:spAutoFit/>
+          </a:bodyPr>
+          <a:lstStyle/>
+          <a:p>
+            <a:r>
+              <a:rPr lang="en-US" dirty="0">
+                <a:highlight>
+                  <a:srgbClr val="00FF00"/>
+                </a:highlight>
+              </a:rPr>
+              <a:t>_</a:t>
+            </a:r>
+          </a:p>
+          <a:p>
+            <a:endParaRPr lang="en-US" dirty="0"/>
+          </a:p>
+        </p:txBody>
+      </p:sp>
+    </p:spTree>
+    <p:extLst>
+      <p:ext uri="{BB962C8B-B14F-4D97-AF65-F5344CB8AC3E}">
+        <p14:creationId xmlns:p14="http://schemas.microsoft.com/office/powerpoint/2010/main" val="737315543"/>
+      </p:ext>
+    </p:extLst>
+  </p:cSld>
+  <p:clrMapOvr>
+    <a:masterClrMapping/>
+  </p:clrMapOvr>
+</p:sld>
+</file>
+
+<file path=ppt/slides/slide11.xml><?xml version="1.0" encoding="utf-8"?>
+<p:sld xmlns:a="http://schemas.openxmlformats.org/drawingml/2006/main" xmlns:r="http://schemas.openxmlformats.org/officeDocument/2006/relationships" xmlns:p="http://schemas.openxmlformats.org/presentationml/2006/main">
+  <p:cSld>
+    <p:spTree>
+      <p:nvGrpSpPr>
+        <p:cNvPr id="1" name=""/>
+        <p:cNvGrpSpPr/>
+        <p:nvPr/>
+      </p:nvGrpSpPr>
+      <p:grpSpPr>
+        <a:xfrm>
+          <a:off x="0" y="0"/>
+          <a:ext cx="0" cy="0"/>
+          <a:chOff x="0" y="0"/>
+          <a:chExt cx="0" cy="0"/>
+        </a:xfrm>
+      </p:grpSpPr>
+      <p:sp>
+        <p:nvSpPr>
+          <p:cNvPr id="2" name="Title 1">
+            <a:extLst>
+              <a:ext uri="{FF2B5EF4-FFF2-40B4-BE49-F238E27FC236}">
                 <a16:creationId xmlns:a16="http://schemas.microsoft.com/office/drawing/2014/main" id="{683AB63A-BE03-CBA4-0D5E-4A0DD7B0CFD2}"/>
               </a:ext>
             </a:extLst>
@@ -6630,8 +6869,8 @@
         </p:blipFill>
         <p:spPr>
           <a:xfrm>
-            <a:off x="6099925" y="4610112"/>
-            <a:ext cx="4803427" cy="2241600"/>
+            <a:off x="6675863" y="4875070"/>
+            <a:ext cx="4227489" cy="1972829"/>
           </a:xfrm>
           <a:prstGeom prst="rect">
             <a:avLst/>
@@ -6653,14 +6892,14 @@
           <p:nvPr>
             <p:extLst>
               <p:ext uri="{D42A27DB-BD31-4B8C-83A1-F6EECF244321}">
-                <p14:modId xmlns:p14="http://schemas.microsoft.com/office/powerpoint/2010/main" val="3453829700"/>
+                <p14:modId xmlns:p14="http://schemas.microsoft.com/office/powerpoint/2010/main" val="1086047727"/>
               </p:ext>
             </p:extLst>
           </p:nvPr>
         </p:nvGraphicFramePr>
         <p:xfrm>
           <a:off x="1373843" y="904675"/>
-          <a:ext cx="9529509" cy="3609450"/>
+          <a:ext cx="9529509" cy="3970395"/>
         </p:xfrm>
         <a:graphic>
           <a:graphicData uri="http://schemas.openxmlformats.org/drawingml/2006/table">
@@ -6669,31 +6908,38 @@
                 <a:tableStyleId>{5C22544A-7EE6-4342-B048-85BDC9FD1C3A}</a:tableStyleId>
               </a:tblPr>
               <a:tblGrid>
-                <a:gridCol w="1020861">
+                <a:gridCol w="895311">
                   <a:extLst>
                     <a:ext uri="{9D8B030D-6E8A-4147-A177-3AD203B41FA5}">
                       <a16:colId xmlns:a16="http://schemas.microsoft.com/office/drawing/2014/main" val="4128409596"/>
                     </a:ext>
                   </a:extLst>
                 </a:gridCol>
-                <a:gridCol w="5836002">
+                <a:gridCol w="5118267">
                   <a:extLst>
                     <a:ext uri="{9D8B030D-6E8A-4147-A177-3AD203B41FA5}">
                       <a16:colId xmlns:a16="http://schemas.microsoft.com/office/drawing/2014/main" val="533339345"/>
                     </a:ext>
                   </a:extLst>
                 </a:gridCol>
-                <a:gridCol w="1336323">
+                <a:gridCol w="1171977">
                   <a:extLst>
                     <a:ext uri="{9D8B030D-6E8A-4147-A177-3AD203B41FA5}">
                       <a16:colId xmlns:a16="http://schemas.microsoft.com/office/drawing/2014/main" val="1796566417"/>
                     </a:ext>
                   </a:extLst>
                 </a:gridCol>
-                <a:gridCol w="1336323">
+                <a:gridCol w="1171977">
                   <a:extLst>
                     <a:ext uri="{9D8B030D-6E8A-4147-A177-3AD203B41FA5}">
                       <a16:colId xmlns:a16="http://schemas.microsoft.com/office/drawing/2014/main" val="2211433684"/>
+                    </a:ext>
+                  </a:extLst>
+                </a:gridCol>
+                <a:gridCol w="1171977">
+                  <a:extLst>
+                    <a:ext uri="{9D8B030D-6E8A-4147-A177-3AD203B41FA5}">
+                      <a16:colId xmlns:a16="http://schemas.microsoft.com/office/drawing/2014/main" val="3637831156"/>
                     </a:ext>
                   </a:extLst>
                 </a:gridCol>
@@ -6807,6 +7053,32 @@
                           <a:cs typeface="Times New Roman" panose="02020603050405020304" pitchFamily="18" charset="0"/>
                         </a:rPr>
                         <a:t>Work Breakdown</a:t>
+                      </a:r>
+                    </a:p>
+                  </a:txBody>
+                  <a:tcPr marL="68580" marR="68580" marT="0" marB="0"/>
+                </a:tc>
+                <a:tc>
+                  <a:txBody>
+                    <a:bodyPr/>
+                    <a:lstStyle/>
+                    <a:p>
+                      <a:pPr marL="0" marR="0">
+                        <a:lnSpc>
+                          <a:spcPct val="107000"/>
+                        </a:lnSpc>
+                        <a:spcAft>
+                          <a:spcPts val="800"/>
+                        </a:spcAft>
+                      </a:pPr>
+                      <a:r>
+                        <a:rPr lang="en-US" sz="1100" kern="100" dirty="0">
+                          <a:effectLst/>
+                          <a:latin typeface="Aptos" panose="020B0004020202020204" pitchFamily="34" charset="0"/>
+                          <a:ea typeface="Aptos" panose="020B0004020202020204" pitchFamily="34" charset="0"/>
+                          <a:cs typeface="Times New Roman" panose="02020603050405020304" pitchFamily="18" charset="0"/>
+                        </a:rPr>
+                        <a:t>Completion Date</a:t>
                       </a:r>
                     </a:p>
                   </a:txBody>
@@ -6932,6 +7204,32 @@
                   </a:txBody>
                   <a:tcPr marL="68580" marR="68580" marT="0" marB="0"/>
                 </a:tc>
+                <a:tc>
+                  <a:txBody>
+                    <a:bodyPr/>
+                    <a:lstStyle/>
+                    <a:p>
+                      <a:pPr marL="0" marR="0">
+                        <a:lnSpc>
+                          <a:spcPct val="107000"/>
+                        </a:lnSpc>
+                        <a:spcAft>
+                          <a:spcPts val="800"/>
+                        </a:spcAft>
+                      </a:pPr>
+                      <a:r>
+                        <a:rPr lang="en-US" sz="1100" kern="100" dirty="0">
+                          <a:effectLst/>
+                          <a:latin typeface="Aptos" panose="020B0004020202020204" pitchFamily="34" charset="0"/>
+                          <a:ea typeface="Aptos" panose="020B0004020202020204" pitchFamily="34" charset="0"/>
+                          <a:cs typeface="Times New Roman" panose="02020603050405020304" pitchFamily="18" charset="0"/>
+                        </a:rPr>
+                        <a:t>09/14/24</a:t>
+                      </a:r>
+                    </a:p>
+                  </a:txBody>
+                  <a:tcPr marL="68580" marR="68580" marT="0" marB="0"/>
+                </a:tc>
                 <a:extLst>
                   <a:ext uri="{0D108BD9-81ED-4DB2-BD59-A6C34878D82A}">
                     <a16:rowId xmlns:a16="http://schemas.microsoft.com/office/drawing/2014/main" val="3336902605"/>
@@ -7047,6 +7345,32 @@
                           <a:cs typeface="Times New Roman" panose="02020603050405020304" pitchFamily="18" charset="0"/>
                         </a:rPr>
                         <a:t>John</a:t>
+                      </a:r>
+                    </a:p>
+                  </a:txBody>
+                  <a:tcPr marL="68580" marR="68580" marT="0" marB="0"/>
+                </a:tc>
+                <a:tc>
+                  <a:txBody>
+                    <a:bodyPr/>
+                    <a:lstStyle/>
+                    <a:p>
+                      <a:pPr marL="0" marR="0">
+                        <a:lnSpc>
+                          <a:spcPct val="107000"/>
+                        </a:lnSpc>
+                        <a:spcAft>
+                          <a:spcPts val="800"/>
+                        </a:spcAft>
+                      </a:pPr>
+                      <a:r>
+                        <a:rPr lang="en-US" sz="1100" kern="100" dirty="0">
+                          <a:effectLst/>
+                          <a:latin typeface="Aptos" panose="020B0004020202020204" pitchFamily="34" charset="0"/>
+                          <a:ea typeface="Aptos" panose="020B0004020202020204" pitchFamily="34" charset="0"/>
+                          <a:cs typeface="Times New Roman" panose="02020603050405020304" pitchFamily="18" charset="0"/>
+                        </a:rPr>
+                        <a:t>10/01/24</a:t>
                       </a:r>
                     </a:p>
                   </a:txBody>
@@ -7172,6 +7496,32 @@
                   </a:txBody>
                   <a:tcPr marL="68580" marR="68580" marT="0" marB="0"/>
                 </a:tc>
+                <a:tc>
+                  <a:txBody>
+                    <a:bodyPr/>
+                    <a:lstStyle/>
+                    <a:p>
+                      <a:pPr marL="0" marR="0">
+                        <a:lnSpc>
+                          <a:spcPct val="107000"/>
+                        </a:lnSpc>
+                        <a:spcAft>
+                          <a:spcPts val="800"/>
+                        </a:spcAft>
+                      </a:pPr>
+                      <a:r>
+                        <a:rPr lang="en-US" sz="1100" kern="100" dirty="0">
+                          <a:effectLst/>
+                          <a:latin typeface="Aptos" panose="020B0004020202020204" pitchFamily="34" charset="0"/>
+                          <a:ea typeface="Aptos" panose="020B0004020202020204" pitchFamily="34" charset="0"/>
+                          <a:cs typeface="Times New Roman" panose="02020603050405020304" pitchFamily="18" charset="0"/>
+                        </a:rPr>
+                        <a:t>10/30/24</a:t>
+                      </a:r>
+                    </a:p>
+                  </a:txBody>
+                  <a:tcPr marL="68580" marR="68580" marT="0" marB="0"/>
+                </a:tc>
                 <a:extLst>
                   <a:ext uri="{0D108BD9-81ED-4DB2-BD59-A6C34878D82A}">
                     <a16:rowId xmlns:a16="http://schemas.microsoft.com/office/drawing/2014/main" val="1998228794"/>
@@ -7287,6 +7637,32 @@
                           <a:cs typeface="Times New Roman" panose="02020603050405020304" pitchFamily="18" charset="0"/>
                         </a:rPr>
                         <a:t>Colby/John</a:t>
+                      </a:r>
+                    </a:p>
+                  </a:txBody>
+                  <a:tcPr marL="68580" marR="68580" marT="0" marB="0"/>
+                </a:tc>
+                <a:tc>
+                  <a:txBody>
+                    <a:bodyPr/>
+                    <a:lstStyle/>
+                    <a:p>
+                      <a:pPr marL="0" marR="0">
+                        <a:lnSpc>
+                          <a:spcPct val="107000"/>
+                        </a:lnSpc>
+                        <a:spcAft>
+                          <a:spcPts val="800"/>
+                        </a:spcAft>
+                      </a:pPr>
+                      <a:r>
+                        <a:rPr lang="en-US" sz="1100" kern="100" dirty="0">
+                          <a:effectLst/>
+                          <a:latin typeface="Aptos" panose="020B0004020202020204" pitchFamily="34" charset="0"/>
+                          <a:ea typeface="Aptos" panose="020B0004020202020204" pitchFamily="34" charset="0"/>
+                          <a:cs typeface="Times New Roman" panose="02020603050405020304" pitchFamily="18" charset="0"/>
+                        </a:rPr>
+                        <a:t>11/4/24</a:t>
                       </a:r>
                     </a:p>
                   </a:txBody>
@@ -7412,6 +7788,32 @@
                   </a:txBody>
                   <a:tcPr marL="68580" marR="68580" marT="0" marB="0"/>
                 </a:tc>
+                <a:tc>
+                  <a:txBody>
+                    <a:bodyPr/>
+                    <a:lstStyle/>
+                    <a:p>
+                      <a:pPr marL="0" marR="0">
+                        <a:lnSpc>
+                          <a:spcPct val="107000"/>
+                        </a:lnSpc>
+                        <a:spcAft>
+                          <a:spcPts val="800"/>
+                        </a:spcAft>
+                      </a:pPr>
+                      <a:r>
+                        <a:rPr lang="en-US" sz="1100" kern="100" dirty="0">
+                          <a:effectLst/>
+                          <a:latin typeface="Aptos" panose="020B0004020202020204" pitchFamily="34" charset="0"/>
+                          <a:ea typeface="Aptos" panose="020B0004020202020204" pitchFamily="34" charset="0"/>
+                          <a:cs typeface="Times New Roman" panose="02020603050405020304" pitchFamily="18" charset="0"/>
+                        </a:rPr>
+                        <a:t>11/10/24</a:t>
+                      </a:r>
+                    </a:p>
+                  </a:txBody>
+                  <a:tcPr marL="68580" marR="68580" marT="0" marB="0"/>
+                </a:tc>
                 <a:extLst>
                   <a:ext uri="{0D108BD9-81ED-4DB2-BD59-A6C34878D82A}">
                     <a16:rowId xmlns:a16="http://schemas.microsoft.com/office/drawing/2014/main" val="1653675179"/>
@@ -7527,6 +7929,32 @@
                           <a:cs typeface="Times New Roman" panose="02020603050405020304" pitchFamily="18" charset="0"/>
                         </a:rPr>
                         <a:t>John</a:t>
+                      </a:r>
+                    </a:p>
+                  </a:txBody>
+                  <a:tcPr marL="68580" marR="68580" marT="0" marB="0"/>
+                </a:tc>
+                <a:tc>
+                  <a:txBody>
+                    <a:bodyPr/>
+                    <a:lstStyle/>
+                    <a:p>
+                      <a:pPr marL="0" marR="0">
+                        <a:lnSpc>
+                          <a:spcPct val="107000"/>
+                        </a:lnSpc>
+                        <a:spcAft>
+                          <a:spcPts val="800"/>
+                        </a:spcAft>
+                      </a:pPr>
+                      <a:r>
+                        <a:rPr lang="en-US" sz="1100" kern="100" dirty="0">
+                          <a:effectLst/>
+                          <a:latin typeface="Aptos" panose="020B0004020202020204" pitchFamily="34" charset="0"/>
+                          <a:ea typeface="Aptos" panose="020B0004020202020204" pitchFamily="34" charset="0"/>
+                          <a:cs typeface="Times New Roman" panose="02020603050405020304" pitchFamily="18" charset="0"/>
+                        </a:rPr>
+                        <a:t>12/1/24</a:t>
                       </a:r>
                     </a:p>
                   </a:txBody>
@@ -7652,6 +8080,32 @@
                   </a:txBody>
                   <a:tcPr marL="68580" marR="68580" marT="0" marB="0"/>
                 </a:tc>
+                <a:tc>
+                  <a:txBody>
+                    <a:bodyPr/>
+                    <a:lstStyle/>
+                    <a:p>
+                      <a:pPr marL="0" marR="0">
+                        <a:lnSpc>
+                          <a:spcPct val="107000"/>
+                        </a:lnSpc>
+                        <a:spcAft>
+                          <a:spcPts val="800"/>
+                        </a:spcAft>
+                      </a:pPr>
+                      <a:r>
+                        <a:rPr lang="en-US" sz="1100" kern="100" dirty="0">
+                          <a:effectLst/>
+                          <a:latin typeface="Aptos" panose="020B0004020202020204" pitchFamily="34" charset="0"/>
+                          <a:ea typeface="Aptos" panose="020B0004020202020204" pitchFamily="34" charset="0"/>
+                          <a:cs typeface="Times New Roman" panose="02020603050405020304" pitchFamily="18" charset="0"/>
+                        </a:rPr>
+                        <a:t>12/1/24</a:t>
+                      </a:r>
+                    </a:p>
+                  </a:txBody>
+                  <a:tcPr marL="68580" marR="68580" marT="0" marB="0"/>
+                </a:tc>
                 <a:extLst>
                   <a:ext uri="{0D108BD9-81ED-4DB2-BD59-A6C34878D82A}">
                     <a16:rowId xmlns:a16="http://schemas.microsoft.com/office/drawing/2014/main" val="3726106823"/>
@@ -7772,6 +8226,32 @@
                   </a:txBody>
                   <a:tcPr marL="68580" marR="68580" marT="0" marB="0"/>
                 </a:tc>
+                <a:tc>
+                  <a:txBody>
+                    <a:bodyPr/>
+                    <a:lstStyle/>
+                    <a:p>
+                      <a:pPr marL="0" marR="0">
+                        <a:lnSpc>
+                          <a:spcPct val="107000"/>
+                        </a:lnSpc>
+                        <a:spcAft>
+                          <a:spcPts val="800"/>
+                        </a:spcAft>
+                      </a:pPr>
+                      <a:r>
+                        <a:rPr lang="en-US" sz="1100" kern="100" dirty="0">
+                          <a:effectLst/>
+                          <a:latin typeface="Aptos" panose="020B0004020202020204" pitchFamily="34" charset="0"/>
+                          <a:ea typeface="Aptos" panose="020B0004020202020204" pitchFamily="34" charset="0"/>
+                          <a:cs typeface="Times New Roman" panose="02020603050405020304" pitchFamily="18" charset="0"/>
+                        </a:rPr>
+                        <a:t>12/4/24</a:t>
+                      </a:r>
+                    </a:p>
+                  </a:txBody>
+                  <a:tcPr marL="68580" marR="68580" marT="0" marB="0"/>
+                </a:tc>
                 <a:extLst>
                   <a:ext uri="{0D108BD9-81ED-4DB2-BD59-A6C34878D82A}">
                     <a16:rowId xmlns:a16="http://schemas.microsoft.com/office/drawing/2014/main" val="16895699"/>
@@ -7793,12 +8273,12 @@
                         </a:spcAft>
                       </a:pPr>
                       <a:r>
-                        <a:rPr lang="en-US" sz="1100" kern="100">
+                        <a:rPr lang="en-US" sz="1100" kern="100" dirty="0">
                           <a:effectLst/>
                         </a:rPr>
-                        <a:t>R-7</a:t>
+                        <a:t>R-9</a:t>
                       </a:r>
-                      <a:endParaRPr lang="en-US" sz="1100" kern="100">
+                      <a:endParaRPr lang="en-US" sz="1100" kern="100" dirty="0">
                         <a:effectLst/>
                         <a:latin typeface="Aptos" panose="020B0004020202020204" pitchFamily="34" charset="0"/>
                         <a:ea typeface="Aptos" panose="020B0004020202020204" pitchFamily="34" charset="0"/>
@@ -7854,7 +8334,7 @@
                         <a:rPr lang="en-US" sz="1100" kern="100" dirty="0">
                           <a:effectLst/>
                         </a:rPr>
-                        <a:t>In Progress</a:t>
+                        <a:t>Done</a:t>
                       </a:r>
                       <a:endParaRPr lang="en-US" sz="1100" kern="100" dirty="0">
                         <a:effectLst/>
@@ -7892,9 +8372,172 @@
                   </a:txBody>
                   <a:tcPr marL="68580" marR="68580" marT="0" marB="0"/>
                 </a:tc>
+                <a:tc>
+                  <a:txBody>
+                    <a:bodyPr/>
+                    <a:lstStyle/>
+                    <a:p>
+                      <a:pPr marL="0" marR="0">
+                        <a:lnSpc>
+                          <a:spcPct val="107000"/>
+                        </a:lnSpc>
+                        <a:spcAft>
+                          <a:spcPts val="800"/>
+                        </a:spcAft>
+                      </a:pPr>
+                      <a:r>
+                        <a:rPr lang="en-US" sz="1100" kern="100" dirty="0">
+                          <a:effectLst/>
+                          <a:latin typeface="Aptos" panose="020B0004020202020204" pitchFamily="34" charset="0"/>
+                          <a:ea typeface="Aptos" panose="020B0004020202020204" pitchFamily="34" charset="0"/>
+                          <a:cs typeface="Times New Roman" panose="02020603050405020304" pitchFamily="18" charset="0"/>
+                        </a:rPr>
+                        <a:t>12/6/24</a:t>
+                      </a:r>
+                    </a:p>
+                  </a:txBody>
+                  <a:tcPr marL="68580" marR="68580" marT="0" marB="0"/>
+                </a:tc>
                 <a:extLst>
                   <a:ext uri="{0D108BD9-81ED-4DB2-BD59-A6C34878D82A}">
                     <a16:rowId xmlns:a16="http://schemas.microsoft.com/office/drawing/2014/main" val="3549439775"/>
+                  </a:ext>
+                </a:extLst>
+              </a:tr>
+              <a:tr h="360945">
+                <a:tc>
+                  <a:txBody>
+                    <a:bodyPr/>
+                    <a:lstStyle/>
+                    <a:p>
+                      <a:pPr marL="0" marR="0">
+                        <a:lnSpc>
+                          <a:spcPct val="107000"/>
+                        </a:lnSpc>
+                        <a:spcAft>
+                          <a:spcPts val="800"/>
+                        </a:spcAft>
+                      </a:pPr>
+                      <a:r>
+                        <a:rPr lang="en-US" sz="1100" kern="100" dirty="0">
+                          <a:effectLst/>
+                          <a:latin typeface="Aptos" panose="020B0004020202020204" pitchFamily="34" charset="0"/>
+                          <a:ea typeface="Aptos" panose="020B0004020202020204" pitchFamily="34" charset="0"/>
+                          <a:cs typeface="Times New Roman" panose="02020603050405020304" pitchFamily="18" charset="0"/>
+                        </a:rPr>
+                        <a:t>R-10</a:t>
+                      </a:r>
+                    </a:p>
+                  </a:txBody>
+                  <a:tcPr marL="68580" marR="68580" marT="0" marB="0"/>
+                </a:tc>
+                <a:tc>
+                  <a:txBody>
+                    <a:bodyPr/>
+                    <a:lstStyle/>
+                    <a:p>
+                      <a:pPr marL="0" marR="0">
+                        <a:lnSpc>
+                          <a:spcPct val="107000"/>
+                        </a:lnSpc>
+                        <a:spcAft>
+                          <a:spcPts val="800"/>
+                        </a:spcAft>
+                      </a:pPr>
+                      <a:r>
+                        <a:rPr lang="en-US" sz="1100" kern="100" dirty="0">
+                          <a:effectLst/>
+                          <a:latin typeface="Aptos" panose="020B0004020202020204" pitchFamily="34" charset="0"/>
+                          <a:ea typeface="Aptos" panose="020B0004020202020204" pitchFamily="34" charset="0"/>
+                          <a:cs typeface="Times New Roman" panose="02020603050405020304" pitchFamily="18" charset="0"/>
+                        </a:rPr>
+                        <a:t>Admin Security</a:t>
+                      </a:r>
+                    </a:p>
+                  </a:txBody>
+                  <a:tcPr marL="68580" marR="68580" marT="0" marB="0"/>
+                </a:tc>
+                <a:tc>
+                  <a:txBody>
+                    <a:bodyPr/>
+                    <a:lstStyle/>
+                    <a:p>
+                      <a:pPr marL="0" marR="0">
+                        <a:lnSpc>
+                          <a:spcPct val="107000"/>
+                        </a:lnSpc>
+                        <a:spcAft>
+                          <a:spcPts val="800"/>
+                        </a:spcAft>
+                      </a:pPr>
+                      <a:r>
+                        <a:rPr lang="en-US" sz="1100" kern="100" dirty="0">
+                          <a:effectLst/>
+                          <a:latin typeface="Aptos" panose="020B0004020202020204" pitchFamily="34" charset="0"/>
+                          <a:ea typeface="Aptos" panose="020B0004020202020204" pitchFamily="34" charset="0"/>
+                          <a:cs typeface="Times New Roman" panose="02020603050405020304" pitchFamily="18" charset="0"/>
+                        </a:rPr>
+                        <a:t>Done</a:t>
+                      </a:r>
+                    </a:p>
+                  </a:txBody>
+                  <a:tcPr marL="68580" marR="68580" marT="0" marB="0"/>
+                </a:tc>
+                <a:tc>
+                  <a:txBody>
+                    <a:bodyPr/>
+                    <a:lstStyle/>
+                    <a:p>
+                      <a:pPr marL="0" marR="0">
+                        <a:lnSpc>
+                          <a:spcPct val="107000"/>
+                        </a:lnSpc>
+                        <a:spcAft>
+                          <a:spcPts val="800"/>
+                        </a:spcAft>
+                      </a:pPr>
+                      <a:r>
+                        <a:rPr lang="en-US" sz="1100" kern="100" dirty="0">
+                          <a:effectLst/>
+                          <a:latin typeface="Aptos" panose="020B0004020202020204" pitchFamily="34" charset="0"/>
+                          <a:ea typeface="Aptos" panose="020B0004020202020204" pitchFamily="34" charset="0"/>
+                          <a:cs typeface="Times New Roman" panose="02020603050405020304" pitchFamily="18" charset="0"/>
+                        </a:rPr>
+                        <a:t>John</a:t>
+                      </a:r>
+                    </a:p>
+                  </a:txBody>
+                  <a:tcPr marL="68580" marR="68580" marT="0" marB="0"/>
+                </a:tc>
+                <a:tc>
+                  <a:txBody>
+                    <a:bodyPr/>
+                    <a:lstStyle/>
+                    <a:p>
+                      <a:pPr marL="0" marR="0">
+                        <a:lnSpc>
+                          <a:spcPct val="107000"/>
+                        </a:lnSpc>
+                        <a:spcAft>
+                          <a:spcPts val="800"/>
+                        </a:spcAft>
+                      </a:pPr>
+                      <a:r>
+                        <a:rPr lang="en-US" sz="1100" kern="100" dirty="0">
+                          <a:effectLst/>
+                          <a:latin typeface="Aptos" panose="020B0004020202020204" pitchFamily="34" charset="0"/>
+                          <a:ea typeface="Aptos" panose="020B0004020202020204" pitchFamily="34" charset="0"/>
+                          <a:cs typeface="Times New Roman" panose="02020603050405020304" pitchFamily="18" charset="0"/>
+                        </a:rPr>
+                        <a:t>12/8/24</a:t>
+                      </a:r>
+                    </a:p>
+                  </a:txBody>
+                  <a:tcPr marL="68580" marR="68580" marT="0" marB="0"/>
+                </a:tc>
+                <a:extLst>
+                  <a:ext uri="{0D108BD9-81ED-4DB2-BD59-A6C34878D82A}">
+                    <a16:rowId xmlns:a16="http://schemas.microsoft.com/office/drawing/2014/main" val="426575352"/>
                   </a:ext>
                 </a:extLst>
               </a:tr>
@@ -7949,90 +8592,109 @@
           </a:p>
         </p:txBody>
       </p:sp>
+      <p:sp>
+        <p:nvSpPr>
+          <p:cNvPr id="3" name="TextBox 2">
+            <a:extLst>
+              <a:ext uri="{FF2B5EF4-FFF2-40B4-BE49-F238E27FC236}">
+                <a16:creationId xmlns:a16="http://schemas.microsoft.com/office/drawing/2014/main" id="{AF0CD179-57BE-9FB4-7AF6-6FD399E75426}"/>
+              </a:ext>
+            </a:extLst>
+          </p:cNvPr>
+          <p:cNvSpPr txBox="1"/>
+          <p:nvPr/>
+        </p:nvSpPr>
+        <p:spPr>
+          <a:xfrm>
+            <a:off x="11567532" y="275063"/>
+            <a:ext cx="300082" cy="369332"/>
+          </a:xfrm>
+          <a:prstGeom prst="rect">
+            <a:avLst/>
+          </a:prstGeom>
+          <a:noFill/>
+        </p:spPr>
+        <p:txBody>
+          <a:bodyPr wrap="none" rtlCol="0">
+            <a:spAutoFit/>
+          </a:bodyPr>
+          <a:lstStyle/>
+          <a:p>
+            <a:r>
+              <a:rPr lang="en-US" dirty="0">
+                <a:highlight>
+                  <a:srgbClr val="00FFFF"/>
+                </a:highlight>
+              </a:rPr>
+              <a:t>_</a:t>
+            </a:r>
+          </a:p>
+        </p:txBody>
+      </p:sp>
+      <p:sp>
+        <p:nvSpPr>
+          <p:cNvPr id="4" name="TextBox 3">
+            <a:extLst>
+              <a:ext uri="{FF2B5EF4-FFF2-40B4-BE49-F238E27FC236}">
+                <a16:creationId xmlns:a16="http://schemas.microsoft.com/office/drawing/2014/main" id="{0A1B2097-2B28-1798-D6E5-8583BAAAA347}"/>
+              </a:ext>
+            </a:extLst>
+          </p:cNvPr>
+          <p:cNvSpPr txBox="1"/>
+          <p:nvPr/>
+        </p:nvSpPr>
+        <p:spPr>
+          <a:xfrm>
+            <a:off x="243068" y="6523437"/>
+            <a:ext cx="5635083" cy="261610"/>
+          </a:xfrm>
+          <a:prstGeom prst="rect">
+            <a:avLst/>
+          </a:prstGeom>
+          <a:noFill/>
+        </p:spPr>
+        <p:txBody>
+          <a:bodyPr wrap="square" rtlCol="0">
+            <a:spAutoFit/>
+          </a:bodyPr>
+          <a:lstStyle/>
+          <a:p>
+            <a:r>
+              <a:rPr lang="en-US" sz="1100" dirty="0">
+                <a:solidFill>
+                  <a:schemeClr val="tx1">
+                    <a:lumMod val="65000"/>
+                    <a:lumOff val="35000"/>
+                  </a:schemeClr>
+                </a:solidFill>
+                <a:hlinkClick r:id="rId3">
+                  <a:extLst>
+                    <a:ext uri="{A12FA001-AC4F-418D-AE19-62706E023703}">
+                      <ahyp:hlinkClr xmlns:ahyp="http://schemas.microsoft.com/office/drawing/2018/hyperlinkcolor" val="tx"/>
+                    </a:ext>
+                  </a:extLst>
+                </a:hlinkClick>
+              </a:rPr>
+              <a:t>https://uccs-team-cs5320.atlassian.net/jira/software/projects/SCRUM/boards/1</a:t>
+            </a:r>
+            <a:r>
+              <a:rPr lang="en-US" sz="1100" dirty="0">
+                <a:solidFill>
+                  <a:schemeClr val="tx1">
+                    <a:lumMod val="65000"/>
+                    <a:lumOff val="35000"/>
+                  </a:schemeClr>
+                </a:solidFill>
+              </a:rPr>
+              <a:t> </a:t>
+            </a:r>
+          </a:p>
+        </p:txBody>
+      </p:sp>
     </p:spTree>
     <p:extLst>
       <p:ext uri="{BB962C8B-B14F-4D97-AF65-F5344CB8AC3E}">
         <p14:creationId xmlns:p14="http://schemas.microsoft.com/office/powerpoint/2010/main" val="2857346455"/>
-      </p:ext>
-    </p:extLst>
-  </p:cSld>
-  <p:clrMapOvr>
-    <a:masterClrMapping/>
-  </p:clrMapOvr>
-</p:sld>
-</file>
-
-<file path=ppt/slides/slide11.xml><?xml version="1.0" encoding="utf-8"?>
-<p:sld xmlns:a="http://schemas.openxmlformats.org/drawingml/2006/main" xmlns:r="http://schemas.openxmlformats.org/officeDocument/2006/relationships" xmlns:p="http://schemas.openxmlformats.org/presentationml/2006/main">
-  <p:cSld>
-    <p:spTree>
-      <p:nvGrpSpPr>
-        <p:cNvPr id="1" name=""/>
-        <p:cNvGrpSpPr/>
-        <p:nvPr/>
-      </p:nvGrpSpPr>
-      <p:grpSpPr>
-        <a:xfrm>
-          <a:off x="0" y="0"/>
-          <a:ext cx="0" cy="0"/>
-          <a:chOff x="0" y="0"/>
-          <a:chExt cx="0" cy="0"/>
-        </a:xfrm>
-      </p:grpSpPr>
-      <p:sp>
-        <p:nvSpPr>
-          <p:cNvPr id="2" name="Title 1">
-            <a:extLst>
-              <a:ext uri="{FF2B5EF4-FFF2-40B4-BE49-F238E27FC236}">
-                <a16:creationId xmlns:a16="http://schemas.microsoft.com/office/drawing/2014/main" id="{529944C1-CB9A-5509-2F17-23E172D5E809}"/>
-              </a:ext>
-            </a:extLst>
-          </p:cNvPr>
-          <p:cNvSpPr>
-            <a:spLocks noGrp="1"/>
-          </p:cNvSpPr>
-          <p:nvPr>
-            <p:ph type="title"/>
-          </p:nvPr>
-        </p:nvSpPr>
-        <p:spPr/>
-        <p:txBody>
-          <a:bodyPr/>
-          <a:lstStyle/>
-          <a:p>
-            <a:endParaRPr lang="en-US"/>
-          </a:p>
-        </p:txBody>
-      </p:sp>
-      <p:sp>
-        <p:nvSpPr>
-          <p:cNvPr id="3" name="Content Placeholder 2">
-            <a:extLst>
-              <a:ext uri="{FF2B5EF4-FFF2-40B4-BE49-F238E27FC236}">
-                <a16:creationId xmlns:a16="http://schemas.microsoft.com/office/drawing/2014/main" id="{1BFB8EAB-EAC7-E08A-DFAC-F960D5EC3FB3}"/>
-              </a:ext>
-            </a:extLst>
-          </p:cNvPr>
-          <p:cNvSpPr>
-            <a:spLocks noGrp="1"/>
-          </p:cNvSpPr>
-          <p:nvPr>
-            <p:ph idx="1"/>
-          </p:nvPr>
-        </p:nvSpPr>
-        <p:spPr/>
-        <p:txBody>
-          <a:bodyPr/>
-          <a:lstStyle/>
-          <a:p>
-            <a:endParaRPr lang="en-US"/>
-          </a:p>
-        </p:txBody>
-      </p:sp>
-    </p:spTree>
-    <p:extLst>
-      <p:ext uri="{BB962C8B-B14F-4D97-AF65-F5344CB8AC3E}">
-        <p14:creationId xmlns:p14="http://schemas.microsoft.com/office/powerpoint/2010/main" val="4093389567"/>
       </p:ext>
     </p:extLst>
   </p:cSld>
@@ -8064,6 +8726,211 @@
           <p:cNvPr id="2" name="Title 1">
             <a:extLst>
               <a:ext uri="{FF2B5EF4-FFF2-40B4-BE49-F238E27FC236}">
+                <a16:creationId xmlns:a16="http://schemas.microsoft.com/office/drawing/2014/main" id="{529944C1-CB9A-5509-2F17-23E172D5E809}"/>
+              </a:ext>
+            </a:extLst>
+          </p:cNvPr>
+          <p:cNvSpPr>
+            <a:spLocks noGrp="1"/>
+          </p:cNvSpPr>
+          <p:nvPr>
+            <p:ph type="title"/>
+          </p:nvPr>
+        </p:nvSpPr>
+        <p:spPr/>
+        <p:txBody>
+          <a:bodyPr/>
+          <a:lstStyle/>
+          <a:p>
+            <a:r>
+              <a:rPr lang="en-US" dirty="0"/>
+              <a:t> the 8 Architecture decisions</a:t>
+            </a:r>
+          </a:p>
+        </p:txBody>
+      </p:sp>
+      <p:sp>
+        <p:nvSpPr>
+          <p:cNvPr id="3" name="Content Placeholder 2">
+            <a:extLst>
+              <a:ext uri="{FF2B5EF4-FFF2-40B4-BE49-F238E27FC236}">
+                <a16:creationId xmlns:a16="http://schemas.microsoft.com/office/drawing/2014/main" id="{1BFB8EAB-EAC7-E08A-DFAC-F960D5EC3FB3}"/>
+              </a:ext>
+            </a:extLst>
+          </p:cNvPr>
+          <p:cNvSpPr>
+            <a:spLocks noGrp="1"/>
+          </p:cNvSpPr>
+          <p:nvPr>
+            <p:ph idx="1"/>
+          </p:nvPr>
+        </p:nvSpPr>
+        <p:spPr>
+          <a:xfrm>
+            <a:off x="913775" y="2367093"/>
+            <a:ext cx="10364452" cy="3800027"/>
+          </a:xfrm>
+        </p:spPr>
+        <p:txBody>
+          <a:bodyPr>
+            <a:normAutofit lnSpcReduction="10000"/>
+          </a:bodyPr>
+          <a:lstStyle/>
+          <a:p>
+            <a:r>
+              <a:rPr lang="en-US" b="1" dirty="0"/>
+              <a:t>Is there a generic application architecture that can act as a template?</a:t>
+            </a:r>
+          </a:p>
+          <a:p>
+            <a:pPr marL="0" indent="0">
+              <a:buNone/>
+            </a:pPr>
+            <a:r>
+              <a:rPr lang="en-US" dirty="0"/>
+              <a:t>	</a:t>
+            </a:r>
+            <a:r>
+              <a:rPr lang="en-US" sz="1800" dirty="0"/>
+              <a:t>- Yes, we started with a generic MVC template in Visual Studio </a:t>
+            </a:r>
+          </a:p>
+          <a:p>
+            <a:r>
+              <a:rPr lang="en-US" b="1" dirty="0"/>
+              <a:t>How will the system be distributed across hardware cores?</a:t>
+            </a:r>
+          </a:p>
+          <a:p>
+            <a:pPr marL="0" indent="0">
+              <a:buNone/>
+            </a:pPr>
+            <a:r>
+              <a:rPr lang="en-US" dirty="0"/>
+              <a:t>	</a:t>
+            </a:r>
+            <a:r>
+              <a:rPr lang="en-US" sz="1800" dirty="0"/>
+              <a:t>- Prototype centralized, production distributed</a:t>
+            </a:r>
+          </a:p>
+          <a:p>
+            <a:r>
+              <a:rPr lang="en-US" b="1" dirty="0"/>
+              <a:t>What architectural patterns might be used?</a:t>
+            </a:r>
+          </a:p>
+          <a:p>
+            <a:pPr marL="0" indent="0">
+              <a:buNone/>
+            </a:pPr>
+            <a:r>
+              <a:rPr lang="en-US" dirty="0"/>
+              <a:t>	</a:t>
+            </a:r>
+            <a:r>
+              <a:rPr lang="en-US" sz="1800" dirty="0"/>
+              <a:t>- Multi-Tier client server architectural pattern</a:t>
+            </a:r>
+          </a:p>
+          <a:p>
+            <a:r>
+              <a:rPr lang="en-US" b="1" dirty="0"/>
+              <a:t>What strategy will be used to control the components of the system?</a:t>
+            </a:r>
+          </a:p>
+          <a:p>
+            <a:pPr marL="0" indent="0">
+              <a:buNone/>
+            </a:pPr>
+            <a:r>
+              <a:rPr lang="en-US" dirty="0"/>
+              <a:t>	</a:t>
+            </a:r>
+            <a:r>
+              <a:rPr lang="en-US" sz="1800" dirty="0"/>
+              <a:t>- MVC will be used to isolate the components</a:t>
+            </a:r>
+          </a:p>
+          <a:p>
+            <a:endParaRPr lang="en-US" dirty="0"/>
+          </a:p>
+        </p:txBody>
+      </p:sp>
+      <p:sp>
+        <p:nvSpPr>
+          <p:cNvPr id="5" name="TextBox 4">
+            <a:extLst>
+              <a:ext uri="{FF2B5EF4-FFF2-40B4-BE49-F238E27FC236}">
+                <a16:creationId xmlns:a16="http://schemas.microsoft.com/office/drawing/2014/main" id="{075D9CC5-539C-E036-1AB5-D72968B703B8}"/>
+              </a:ext>
+            </a:extLst>
+          </p:cNvPr>
+          <p:cNvSpPr txBox="1"/>
+          <p:nvPr/>
+        </p:nvSpPr>
+        <p:spPr>
+          <a:xfrm>
+            <a:off x="11467070" y="249185"/>
+            <a:ext cx="300082" cy="369332"/>
+          </a:xfrm>
+          <a:prstGeom prst="rect">
+            <a:avLst/>
+          </a:prstGeom>
+          <a:noFill/>
+        </p:spPr>
+        <p:txBody>
+          <a:bodyPr wrap="none" rtlCol="0">
+            <a:spAutoFit/>
+          </a:bodyPr>
+          <a:lstStyle/>
+          <a:p>
+            <a:r>
+              <a:rPr lang="en-US" dirty="0">
+                <a:highlight>
+                  <a:srgbClr val="00FF00"/>
+                </a:highlight>
+              </a:rPr>
+              <a:t>_</a:t>
+            </a:r>
+          </a:p>
+        </p:txBody>
+      </p:sp>
+    </p:spTree>
+    <p:extLst>
+      <p:ext uri="{BB962C8B-B14F-4D97-AF65-F5344CB8AC3E}">
+        <p14:creationId xmlns:p14="http://schemas.microsoft.com/office/powerpoint/2010/main" val="4093389567"/>
+      </p:ext>
+    </p:extLst>
+  </p:cSld>
+  <p:clrMapOvr>
+    <a:masterClrMapping/>
+  </p:clrMapOvr>
+</p:sld>
+</file>
+
+<file path=ppt/slides/slide13.xml><?xml version="1.0" encoding="utf-8"?>
+<p:sld xmlns:a="http://schemas.openxmlformats.org/drawingml/2006/main" xmlns:r="http://schemas.openxmlformats.org/officeDocument/2006/relationships" xmlns:p="http://schemas.openxmlformats.org/presentationml/2006/main">
+  <p:cSld>
+    <p:spTree>
+      <p:nvGrpSpPr>
+        <p:cNvPr id="1" name=""/>
+        <p:cNvGrpSpPr/>
+        <p:nvPr/>
+      </p:nvGrpSpPr>
+      <p:grpSpPr>
+        <a:xfrm>
+          <a:off x="0" y="0"/>
+          <a:ext cx="0" cy="0"/>
+          <a:chOff x="0" y="0"/>
+          <a:chExt cx="0" cy="0"/>
+        </a:xfrm>
+      </p:grpSpPr>
+      <p:sp>
+        <p:nvSpPr>
+          <p:cNvPr id="2" name="Title 1">
+            <a:extLst>
+              <a:ext uri="{FF2B5EF4-FFF2-40B4-BE49-F238E27FC236}">
                 <a16:creationId xmlns:a16="http://schemas.microsoft.com/office/drawing/2014/main" id="{704C00CA-98D1-6D85-ADF5-67928200832F}"/>
               </a:ext>
             </a:extLst>
@@ -8080,7 +8947,10 @@
           <a:bodyPr/>
           <a:lstStyle/>
           <a:p>
-            <a:endParaRPr lang="en-US"/>
+            <a:r>
+              <a:rPr lang="en-US" dirty="0"/>
+              <a:t> the 8 Architecture decisions cont.</a:t>
+            </a:r>
           </a:p>
         </p:txBody>
       </p:sp>
@@ -8100,12 +8970,136 @@
             <p:ph idx="1"/>
           </p:nvPr>
         </p:nvSpPr>
-        <p:spPr/>
-        <p:txBody>
-          <a:bodyPr/>
+        <p:spPr>
+          <a:xfrm>
+            <a:off x="913775" y="2367093"/>
+            <a:ext cx="10364452" cy="3872390"/>
+          </a:xfrm>
+        </p:spPr>
+        <p:txBody>
+          <a:bodyPr>
+            <a:normAutofit fontScale="85000" lnSpcReduction="10000"/>
+          </a:bodyPr>
           <a:lstStyle/>
           <a:p>
-            <a:endParaRPr lang="en-US"/>
+            <a:r>
+              <a:rPr lang="en-US" b="1" dirty="0"/>
+              <a:t>How should the architecture be documented?</a:t>
+            </a:r>
+          </a:p>
+          <a:p>
+            <a:pPr marL="0" indent="0">
+              <a:buNone/>
+            </a:pPr>
+            <a:r>
+              <a:rPr lang="en-US" dirty="0"/>
+              <a:t>	</a:t>
+            </a:r>
+            <a:r>
+              <a:rPr lang="en-US" sz="2000" dirty="0"/>
+              <a:t>- Using a variety of UML diagrams to create an architectural description document</a:t>
+            </a:r>
+          </a:p>
+          <a:p>
+            <a:r>
+              <a:rPr lang="en-US" sz="2400" b="1" dirty="0"/>
+              <a:t>What architectural organization is best for delivering the non-functional requirements?</a:t>
+            </a:r>
+          </a:p>
+          <a:p>
+            <a:pPr marL="0" indent="0">
+              <a:buNone/>
+            </a:pPr>
+            <a:r>
+              <a:rPr lang="en-US" dirty="0"/>
+              <a:t>	</a:t>
+            </a:r>
+            <a:r>
+              <a:rPr lang="en-US" sz="2000" dirty="0"/>
+              <a:t>- MVC leads to maintainability</a:t>
+            </a:r>
+          </a:p>
+          <a:p>
+            <a:r>
+              <a:rPr lang="en-US" b="1" dirty="0"/>
+              <a:t>How will components be decomposed into sub-components?</a:t>
+            </a:r>
+          </a:p>
+          <a:p>
+            <a:pPr marL="0" indent="0">
+              <a:buNone/>
+            </a:pPr>
+            <a:r>
+              <a:rPr lang="en-US" dirty="0"/>
+              <a:t>	</a:t>
+            </a:r>
+            <a:r>
+              <a:rPr lang="en-US" sz="2000" dirty="0"/>
+              <a:t>- Objects will be broken down into Models, Views, and Controllers</a:t>
+            </a:r>
+          </a:p>
+          <a:p>
+            <a:r>
+              <a:rPr lang="en-US" b="1" dirty="0"/>
+              <a:t>What approach will be used to structure the system?</a:t>
+            </a:r>
+          </a:p>
+          <a:p>
+            <a:pPr marL="0" indent="0">
+              <a:buNone/>
+            </a:pPr>
+            <a:r>
+              <a:rPr lang="en-US" b="1" dirty="0"/>
+              <a:t>	</a:t>
+            </a:r>
+            <a:r>
+              <a:rPr lang="en-US" sz="2000" dirty="0"/>
+              <a:t>- Application will be on server, clients will use web browsers</a:t>
+            </a:r>
+            <a:endParaRPr lang="en-US" b="1" dirty="0"/>
+          </a:p>
+          <a:p>
+            <a:endParaRPr lang="en-US" dirty="0"/>
+          </a:p>
+        </p:txBody>
+      </p:sp>
+      <p:sp>
+        <p:nvSpPr>
+          <p:cNvPr id="4" name="TextBox 3">
+            <a:extLst>
+              <a:ext uri="{FF2B5EF4-FFF2-40B4-BE49-F238E27FC236}">
+                <a16:creationId xmlns:a16="http://schemas.microsoft.com/office/drawing/2014/main" id="{887E3912-276A-49F8-AD48-B73718F83941}"/>
+              </a:ext>
+            </a:extLst>
+          </p:cNvPr>
+          <p:cNvSpPr txBox="1"/>
+          <p:nvPr/>
+        </p:nvSpPr>
+        <p:spPr>
+          <a:xfrm>
+            <a:off x="11646243" y="249185"/>
+            <a:ext cx="300082" cy="369332"/>
+          </a:xfrm>
+          <a:prstGeom prst="rect">
+            <a:avLst/>
+          </a:prstGeom>
+          <a:noFill/>
+        </p:spPr>
+        <p:txBody>
+          <a:bodyPr wrap="none" rtlCol="0">
+            <a:spAutoFit/>
+          </a:bodyPr>
+          <a:lstStyle/>
+          <a:p>
+            <a:r>
+              <a:rPr lang="en-US" dirty="0">
+                <a:highlight>
+                  <a:srgbClr val="00FFFF"/>
+                </a:highlight>
+              </a:rPr>
+              <a:t>_</a:t>
+            </a:r>
+            <a:endParaRPr lang="en-US" dirty="0"/>
           </a:p>
         </p:txBody>
       </p:sp>
@@ -8113,6 +9107,259 @@
     <p:extLst>
       <p:ext uri="{BB962C8B-B14F-4D97-AF65-F5344CB8AC3E}">
         <p14:creationId xmlns:p14="http://schemas.microsoft.com/office/powerpoint/2010/main" val="2254141449"/>
+      </p:ext>
+    </p:extLst>
+  </p:cSld>
+  <p:clrMapOvr>
+    <a:masterClrMapping/>
+  </p:clrMapOvr>
+</p:sld>
+</file>
+
+<file path=ppt/slides/slide14.xml><?xml version="1.0" encoding="utf-8"?>
+<p:sld xmlns:a="http://schemas.openxmlformats.org/drawingml/2006/main" xmlns:r="http://schemas.openxmlformats.org/officeDocument/2006/relationships" xmlns:p="http://schemas.openxmlformats.org/presentationml/2006/main">
+  <p:cSld>
+    <p:spTree>
+      <p:nvGrpSpPr>
+        <p:cNvPr id="1" name=""/>
+        <p:cNvGrpSpPr/>
+        <p:nvPr/>
+      </p:nvGrpSpPr>
+      <p:grpSpPr>
+        <a:xfrm>
+          <a:off x="0" y="0"/>
+          <a:ext cx="0" cy="0"/>
+          <a:chOff x="0" y="0"/>
+          <a:chExt cx="0" cy="0"/>
+        </a:xfrm>
+      </p:grpSpPr>
+      <p:sp>
+        <p:nvSpPr>
+          <p:cNvPr id="2" name="Title 1">
+            <a:extLst>
+              <a:ext uri="{FF2B5EF4-FFF2-40B4-BE49-F238E27FC236}">
+                <a16:creationId xmlns:a16="http://schemas.microsoft.com/office/drawing/2014/main" id="{D3D0CF5B-E8F3-EFFA-F511-41713F7FD617}"/>
+              </a:ext>
+            </a:extLst>
+          </p:cNvPr>
+          <p:cNvSpPr>
+            <a:spLocks noGrp="1"/>
+          </p:cNvSpPr>
+          <p:nvPr>
+            <p:ph type="title"/>
+          </p:nvPr>
+        </p:nvSpPr>
+        <p:spPr/>
+        <p:txBody>
+          <a:bodyPr/>
+          <a:lstStyle/>
+          <a:p>
+            <a:r>
+              <a:rPr lang="en-US" dirty="0"/>
+              <a:t>Multi-tier Client Server Architectural Pattern</a:t>
+            </a:r>
+          </a:p>
+        </p:txBody>
+      </p:sp>
+      <p:sp>
+        <p:nvSpPr>
+          <p:cNvPr id="3" name="Content Placeholder 2">
+            <a:extLst>
+              <a:ext uri="{FF2B5EF4-FFF2-40B4-BE49-F238E27FC236}">
+                <a16:creationId xmlns:a16="http://schemas.microsoft.com/office/drawing/2014/main" id="{C0DEA48A-4AC0-B1CA-FB0C-EA3594D40239}"/>
+              </a:ext>
+            </a:extLst>
+          </p:cNvPr>
+          <p:cNvSpPr>
+            <a:spLocks noGrp="1"/>
+          </p:cNvSpPr>
+          <p:nvPr>
+            <p:ph idx="1"/>
+          </p:nvPr>
+        </p:nvSpPr>
+        <p:spPr>
+          <a:xfrm>
+            <a:off x="913775" y="2367093"/>
+            <a:ext cx="4257665" cy="4125147"/>
+          </a:xfrm>
+        </p:spPr>
+        <p:txBody>
+          <a:bodyPr/>
+          <a:lstStyle/>
+          <a:p>
+            <a:pPr marL="342900" indent="-342900">
+              <a:buFontTx/>
+              <a:buChar char="-"/>
+            </a:pPr>
+            <a:r>
+              <a:rPr lang="en-US" dirty="0"/>
+              <a:t>Good for large volume of transactions</a:t>
+            </a:r>
+          </a:p>
+          <a:p>
+            <a:pPr marL="342900" indent="-342900">
+              <a:buFontTx/>
+              <a:buChar char="-"/>
+            </a:pPr>
+            <a:r>
+              <a:rPr lang="en-US" dirty="0"/>
+              <a:t>Able to scale as more clients sign up for the service it will be better for larger scale</a:t>
+            </a:r>
+          </a:p>
+          <a:p>
+            <a:pPr marL="342900" indent="-342900">
+              <a:buFontTx/>
+              <a:buChar char="-"/>
+            </a:pPr>
+            <a:r>
+              <a:rPr lang="en-US" dirty="0"/>
+              <a:t>Good for applications where data is volatile</a:t>
+            </a:r>
+          </a:p>
+          <a:p>
+            <a:endParaRPr lang="en-US" dirty="0"/>
+          </a:p>
+        </p:txBody>
+      </p:sp>
+      <p:pic>
+        <p:nvPicPr>
+          <p:cNvPr id="5" name="Content Placeholder 7" descr="A diagram of a web server&#10;&#10;Description automatically generated">
+            <a:extLst>
+              <a:ext uri="{FF2B5EF4-FFF2-40B4-BE49-F238E27FC236}">
+                <a16:creationId xmlns:a16="http://schemas.microsoft.com/office/drawing/2014/main" id="{96CAF9FE-622A-FBEF-CA61-20147D31D129}"/>
+              </a:ext>
+            </a:extLst>
+          </p:cNvPr>
+          <p:cNvPicPr>
+            <a:picLocks noChangeAspect="1"/>
+          </p:cNvPicPr>
+          <p:nvPr/>
+        </p:nvPicPr>
+        <p:blipFill>
+          <a:blip r:embed="rId2"/>
+          <a:stretch>
+            <a:fillRect/>
+          </a:stretch>
+        </p:blipFill>
+        <p:spPr>
+          <a:xfrm>
+            <a:off x="5335710" y="1943476"/>
+            <a:ext cx="6449711" cy="3902075"/>
+          </a:xfrm>
+          <a:prstGeom prst="rect">
+            <a:avLst/>
+          </a:prstGeom>
+          <a:noFill/>
+        </p:spPr>
+      </p:pic>
+      <p:sp>
+        <p:nvSpPr>
+          <p:cNvPr id="6" name="TextBox 5">
+            <a:extLst>
+              <a:ext uri="{FF2B5EF4-FFF2-40B4-BE49-F238E27FC236}">
+                <a16:creationId xmlns:a16="http://schemas.microsoft.com/office/drawing/2014/main" id="{E2770FA6-0920-360A-A878-20A46697C656}"/>
+              </a:ext>
+            </a:extLst>
+          </p:cNvPr>
+          <p:cNvSpPr txBox="1"/>
+          <p:nvPr/>
+        </p:nvSpPr>
+        <p:spPr>
+          <a:xfrm>
+            <a:off x="11693055" y="185352"/>
+            <a:ext cx="300082" cy="369332"/>
+          </a:xfrm>
+          <a:prstGeom prst="rect">
+            <a:avLst/>
+          </a:prstGeom>
+          <a:noFill/>
+        </p:spPr>
+        <p:txBody>
+          <a:bodyPr wrap="none" rtlCol="0">
+            <a:spAutoFit/>
+          </a:bodyPr>
+          <a:lstStyle/>
+          <a:p>
+            <a:r>
+              <a:rPr lang="en-US" dirty="0">
+                <a:highlight>
+                  <a:srgbClr val="00FF00"/>
+                </a:highlight>
+              </a:rPr>
+              <a:t>_</a:t>
+            </a:r>
+          </a:p>
+        </p:txBody>
+      </p:sp>
+    </p:spTree>
+    <p:extLst>
+      <p:ext uri="{BB962C8B-B14F-4D97-AF65-F5344CB8AC3E}">
+        <p14:creationId xmlns:p14="http://schemas.microsoft.com/office/powerpoint/2010/main" val="3757137156"/>
+      </p:ext>
+    </p:extLst>
+  </p:cSld>
+  <p:clrMapOvr>
+    <a:masterClrMapping/>
+  </p:clrMapOvr>
+</p:sld>
+</file>
+
+<file path=ppt/slides/slide15.xml><?xml version="1.0" encoding="utf-8"?>
+<p:sld xmlns:a="http://schemas.openxmlformats.org/drawingml/2006/main" xmlns:r="http://schemas.openxmlformats.org/officeDocument/2006/relationships" xmlns:p="http://schemas.openxmlformats.org/presentationml/2006/main">
+  <p:cSld>
+    <p:spTree>
+      <p:nvGrpSpPr>
+        <p:cNvPr id="1" name=""/>
+        <p:cNvGrpSpPr/>
+        <p:nvPr/>
+      </p:nvGrpSpPr>
+      <p:grpSpPr>
+        <a:xfrm>
+          <a:off x="0" y="0"/>
+          <a:ext cx="0" cy="0"/>
+          <a:chOff x="0" y="0"/>
+          <a:chExt cx="0" cy="0"/>
+        </a:xfrm>
+      </p:grpSpPr>
+      <p:sp>
+        <p:nvSpPr>
+          <p:cNvPr id="2" name="Title 1">
+            <a:extLst>
+              <a:ext uri="{FF2B5EF4-FFF2-40B4-BE49-F238E27FC236}">
+                <a16:creationId xmlns:a16="http://schemas.microsoft.com/office/drawing/2014/main" id="{0D52897E-BBF2-6D38-3476-8DEC28D35F02}"/>
+              </a:ext>
+            </a:extLst>
+          </p:cNvPr>
+          <p:cNvSpPr>
+            <a:spLocks noGrp="1"/>
+          </p:cNvSpPr>
+          <p:nvPr>
+            <p:ph type="title"/>
+          </p:nvPr>
+        </p:nvSpPr>
+        <p:spPr>
+          <a:xfrm>
+            <a:off x="858170" y="2546171"/>
+            <a:ext cx="10364451" cy="1596177"/>
+          </a:xfrm>
+        </p:spPr>
+        <p:txBody>
+          <a:bodyPr>
+            <a:normAutofit/>
+          </a:bodyPr>
+          <a:lstStyle/>
+          <a:p>
+            <a:r>
+              <a:rPr lang="en-US" sz="6600" b="1" dirty="0"/>
+              <a:t>DEMONSTRATION</a:t>
+            </a:r>
+          </a:p>
+        </p:txBody>
+      </p:sp>
+    </p:spTree>
+    <p:extLst>
+      <p:ext uri="{BB962C8B-B14F-4D97-AF65-F5344CB8AC3E}">
+        <p14:creationId xmlns:p14="http://schemas.microsoft.com/office/powerpoint/2010/main" val="3857934692"/>
       </p:ext>
     </p:extLst>
   </p:cSld>
@@ -8144,7 +9391,7 @@
           <p:cNvPr id="2" name="Title 1">
             <a:extLst>
               <a:ext uri="{FF2B5EF4-FFF2-40B4-BE49-F238E27FC236}">
-                <a16:creationId xmlns:a16="http://schemas.microsoft.com/office/drawing/2014/main" id="{1CC5E4AD-876F-1E30-04B7-D33760588235}"/>
+                <a16:creationId xmlns:a16="http://schemas.microsoft.com/office/drawing/2014/main" id="{1F2BD878-603B-7628-7C95-4A29AEB297CC}"/>
               </a:ext>
             </a:extLst>
           </p:cNvPr>
@@ -8155,19 +9402,14 @@
             <p:ph type="title"/>
           </p:nvPr>
         </p:nvSpPr>
-        <p:spPr>
-          <a:xfrm>
-            <a:off x="809603" y="0"/>
-            <a:ext cx="10364451" cy="960699"/>
-          </a:xfrm>
-        </p:spPr>
+        <p:spPr/>
         <p:txBody>
           <a:bodyPr/>
           <a:lstStyle/>
           <a:p>
             <a:r>
               <a:rPr lang="en-US" dirty="0"/>
-              <a:t>Project overview</a:t>
+              <a:t>Agenda</a:t>
             </a:r>
           </a:p>
         </p:txBody>
@@ -8177,7 +9419,7 @@
           <p:cNvPr id="3" name="Content Placeholder 2">
             <a:extLst>
               <a:ext uri="{FF2B5EF4-FFF2-40B4-BE49-F238E27FC236}">
-                <a16:creationId xmlns:a16="http://schemas.microsoft.com/office/drawing/2014/main" id="{FD6D2F74-ACA5-9CEB-3637-A33C35525F8A}"/>
+                <a16:creationId xmlns:a16="http://schemas.microsoft.com/office/drawing/2014/main" id="{84D02C56-9B3C-7CAB-65E6-F51D5E552CB6}"/>
               </a:ext>
             </a:extLst>
           </p:cNvPr>
@@ -8185,13 +9427,13 @@
             <a:spLocks noGrp="1"/>
           </p:cNvSpPr>
           <p:nvPr>
-            <p:ph idx="1"/>
+            <p:ph sz="quarter" idx="13"/>
           </p:nvPr>
         </p:nvSpPr>
         <p:spPr>
           <a:xfrm>
-            <a:off x="565150" y="960699"/>
-            <a:ext cx="11102131" cy="4800529"/>
+            <a:off x="913774" y="2367092"/>
+            <a:ext cx="4501506" cy="3424107"/>
           </a:xfrm>
         </p:spPr>
         <p:txBody>
@@ -8199,104 +9441,336 @@
           <a:lstStyle/>
           <a:p>
             <a:r>
-              <a:rPr lang="en-US" sz="2400" b="1" dirty="0"/>
-              <a:t>Greenfield Project </a:t>
-            </a:r>
-            <a:r>
-              <a:rPr lang="en-US" sz="2400" dirty="0"/>
-              <a:t>understood within domain experts</a:t>
-            </a:r>
-          </a:p>
-          <a:p>
-            <a:r>
               <a:rPr lang="en-US" dirty="0"/>
-              <a:t>Agile path</a:t>
+              <a:t>Project Overview</a:t>
             </a:r>
           </a:p>
           <a:p>
             <a:r>
               <a:rPr lang="en-US" dirty="0"/>
-              <a:t>Purpose, who is it for? </a:t>
-            </a:r>
-          </a:p>
-          <a:p>
-            <a:pPr lvl="1">
-              <a:buFont typeface="Wingdings" pitchFamily="2" charset="2"/>
-              <a:buChar char="è"/>
-            </a:pPr>
+              <a:t>Software license</a:t>
+            </a:r>
+          </a:p>
+          <a:p>
             <a:r>
               <a:rPr lang="en-US" dirty="0"/>
-              <a:t>software developers who do not want their software pirated</a:t>
-            </a:r>
-          </a:p>
-          <a:p>
-            <a:pPr lvl="1">
-              <a:buFont typeface="Wingdings" pitchFamily="2" charset="2"/>
-              <a:buChar char="è"/>
-            </a:pPr>
+              <a:t>functional requirements</a:t>
+            </a:r>
+          </a:p>
+          <a:p>
             <a:r>
               <a:rPr lang="en-US" dirty="0"/>
-              <a:t>Software users who want to purchase and use one or multiple software products</a:t>
-            </a:r>
-          </a:p>
-          <a:p>
-            <a:pPr marL="457200" lvl="1" indent="0">
-              <a:buNone/>
-            </a:pPr>
+              <a:t>non-functional requirements</a:t>
+            </a:r>
+          </a:p>
+          <a:p>
+            <a:r>
+              <a:rPr lang="en-US" dirty="0"/>
+              <a:t>Diagrams</a:t>
+            </a:r>
+          </a:p>
+          <a:p>
+            <a:r>
+              <a:rPr lang="en-US" dirty="0"/>
+              <a:t>work breakdown	</a:t>
+            </a:r>
+          </a:p>
+        </p:txBody>
+      </p:sp>
+      <p:sp>
+        <p:nvSpPr>
+          <p:cNvPr id="4" name="Content Placeholder 2">
+            <a:extLst>
+              <a:ext uri="{FF2B5EF4-FFF2-40B4-BE49-F238E27FC236}">
+                <a16:creationId xmlns:a16="http://schemas.microsoft.com/office/drawing/2014/main" id="{0B0FABF0-BE69-317F-7629-298DB7580464}"/>
+              </a:ext>
+            </a:extLst>
+          </p:cNvPr>
+          <p:cNvSpPr txBox="1">
+            <a:spLocks/>
+          </p:cNvSpPr>
+          <p:nvPr/>
+        </p:nvSpPr>
+        <p:spPr>
+          <a:xfrm>
+            <a:off x="6440814" y="2367092"/>
+            <a:ext cx="4501506" cy="3424107"/>
+          </a:xfrm>
+          <a:prstGeom prst="rect">
+            <a:avLst/>
+          </a:prstGeom>
+        </p:spPr>
+        <p:txBody>
+          <a:bodyPr vert="horz" lIns="91440" tIns="45720" rIns="91440" bIns="45720" rtlCol="0">
+            <a:normAutofit/>
+          </a:bodyPr>
+          <a:lstStyle>
+            <a:lvl1pPr marL="228600" indent="-228600" algn="l" defTabSz="914400" rtl="0" eaLnBrk="1" latinLnBrk="0" hangingPunct="1">
+              <a:lnSpc>
+                <a:spcPct val="120000"/>
+              </a:lnSpc>
+              <a:spcBef>
+                <a:spcPts val="1000"/>
+              </a:spcBef>
+              <a:buClr>
+                <a:schemeClr val="tx1"/>
+              </a:buClr>
+              <a:buFont typeface="Arial" panose="020B0604020202020204" pitchFamily="34" charset="0"/>
+              <a:buChar char="•"/>
+              <a:defRPr sz="2000" kern="1200" cap="all" baseline="0">
+                <a:solidFill>
+                  <a:schemeClr val="tx1"/>
+                </a:solidFill>
+                <a:effectLst/>
+                <a:latin typeface="+mn-lt"/>
+                <a:ea typeface="+mn-ea"/>
+                <a:cs typeface="+mn-cs"/>
+              </a:defRPr>
+            </a:lvl1pPr>
+            <a:lvl2pPr marL="685800" indent="-228600" algn="l" defTabSz="914400" rtl="0" eaLnBrk="1" latinLnBrk="0" hangingPunct="1">
+              <a:lnSpc>
+                <a:spcPct val="120000"/>
+              </a:lnSpc>
+              <a:spcBef>
+                <a:spcPts val="500"/>
+              </a:spcBef>
+              <a:buClr>
+                <a:schemeClr val="tx1"/>
+              </a:buClr>
+              <a:buFont typeface="Arial" panose="020B0604020202020204" pitchFamily="34" charset="0"/>
+              <a:buChar char="•"/>
+              <a:defRPr sz="1800" kern="1200" cap="all" baseline="0">
+                <a:solidFill>
+                  <a:schemeClr val="tx1"/>
+                </a:solidFill>
+                <a:effectLst/>
+                <a:latin typeface="+mn-lt"/>
+                <a:ea typeface="+mn-ea"/>
+                <a:cs typeface="+mn-cs"/>
+              </a:defRPr>
+            </a:lvl2pPr>
+            <a:lvl3pPr marL="1143000" indent="-228600" algn="l" defTabSz="914400" rtl="0" eaLnBrk="1" latinLnBrk="0" hangingPunct="1">
+              <a:lnSpc>
+                <a:spcPct val="120000"/>
+              </a:lnSpc>
+              <a:spcBef>
+                <a:spcPts val="500"/>
+              </a:spcBef>
+              <a:buClr>
+                <a:schemeClr val="tx1"/>
+              </a:buClr>
+              <a:buFont typeface="Arial" panose="020B0604020202020204" pitchFamily="34" charset="0"/>
+              <a:buChar char="•"/>
+              <a:defRPr sz="1600" kern="1200" cap="all" baseline="0">
+                <a:solidFill>
+                  <a:schemeClr val="tx1"/>
+                </a:solidFill>
+                <a:effectLst/>
+                <a:latin typeface="+mn-lt"/>
+                <a:ea typeface="+mn-ea"/>
+                <a:cs typeface="+mn-cs"/>
+              </a:defRPr>
+            </a:lvl3pPr>
+            <a:lvl4pPr marL="1600200" indent="-228600" algn="l" defTabSz="914400" rtl="0" eaLnBrk="1" latinLnBrk="0" hangingPunct="1">
+              <a:lnSpc>
+                <a:spcPct val="120000"/>
+              </a:lnSpc>
+              <a:spcBef>
+                <a:spcPts val="500"/>
+              </a:spcBef>
+              <a:buClr>
+                <a:schemeClr val="tx1"/>
+              </a:buClr>
+              <a:buFont typeface="Arial" panose="020B0604020202020204" pitchFamily="34" charset="0"/>
+              <a:buChar char="•"/>
+              <a:defRPr sz="1400" kern="1200" cap="all" baseline="0">
+                <a:solidFill>
+                  <a:schemeClr val="tx1"/>
+                </a:solidFill>
+                <a:effectLst/>
+                <a:latin typeface="+mn-lt"/>
+                <a:ea typeface="+mn-ea"/>
+                <a:cs typeface="+mn-cs"/>
+              </a:defRPr>
+            </a:lvl4pPr>
+            <a:lvl5pPr marL="2057400" indent="-228600" algn="l" defTabSz="914400" rtl="0" eaLnBrk="1" latinLnBrk="0" hangingPunct="1">
+              <a:lnSpc>
+                <a:spcPct val="120000"/>
+              </a:lnSpc>
+              <a:spcBef>
+                <a:spcPts val="500"/>
+              </a:spcBef>
+              <a:buClr>
+                <a:schemeClr val="tx1"/>
+              </a:buClr>
+              <a:buFont typeface="Arial" panose="020B0604020202020204" pitchFamily="34" charset="0"/>
+              <a:buChar char="•"/>
+              <a:defRPr sz="1400" kern="1200" cap="all" baseline="0">
+                <a:solidFill>
+                  <a:schemeClr val="tx1"/>
+                </a:solidFill>
+                <a:effectLst/>
+                <a:latin typeface="+mn-lt"/>
+                <a:ea typeface="+mn-ea"/>
+                <a:cs typeface="+mn-cs"/>
+              </a:defRPr>
+            </a:lvl5pPr>
+            <a:lvl6pPr marL="2514600" indent="-228600" algn="l" defTabSz="914400" rtl="0" eaLnBrk="1" latinLnBrk="0" hangingPunct="1">
+              <a:lnSpc>
+                <a:spcPct val="120000"/>
+              </a:lnSpc>
+              <a:spcBef>
+                <a:spcPts val="500"/>
+              </a:spcBef>
+              <a:buClr>
+                <a:schemeClr val="tx1"/>
+              </a:buClr>
+              <a:buFont typeface="Arial" panose="020B0604020202020204" pitchFamily="34" charset="0"/>
+              <a:buChar char="•"/>
+              <a:defRPr sz="1400" kern="1200" cap="all" baseline="0">
+                <a:solidFill>
+                  <a:schemeClr val="tx1"/>
+                </a:solidFill>
+                <a:effectLst/>
+                <a:latin typeface="+mn-lt"/>
+                <a:ea typeface="+mn-ea"/>
+                <a:cs typeface="+mn-cs"/>
+              </a:defRPr>
+            </a:lvl6pPr>
+            <a:lvl7pPr marL="2971800" indent="-228600" algn="l" defTabSz="914400" rtl="0" eaLnBrk="1" latinLnBrk="0" hangingPunct="1">
+              <a:lnSpc>
+                <a:spcPct val="120000"/>
+              </a:lnSpc>
+              <a:spcBef>
+                <a:spcPts val="500"/>
+              </a:spcBef>
+              <a:buClr>
+                <a:schemeClr val="tx1"/>
+              </a:buClr>
+              <a:buFont typeface="Arial" panose="020B0604020202020204" pitchFamily="34" charset="0"/>
+              <a:buChar char="•"/>
+              <a:defRPr sz="1400" kern="1200" cap="all" baseline="0">
+                <a:solidFill>
+                  <a:schemeClr val="tx1"/>
+                </a:solidFill>
+                <a:effectLst/>
+                <a:latin typeface="+mn-lt"/>
+                <a:ea typeface="+mn-ea"/>
+                <a:cs typeface="+mn-cs"/>
+              </a:defRPr>
+            </a:lvl7pPr>
+            <a:lvl8pPr marL="3429000" indent="-228600" algn="l" defTabSz="914400" rtl="0" eaLnBrk="1" latinLnBrk="0" hangingPunct="1">
+              <a:lnSpc>
+                <a:spcPct val="120000"/>
+              </a:lnSpc>
+              <a:spcBef>
+                <a:spcPts val="500"/>
+              </a:spcBef>
+              <a:buClr>
+                <a:schemeClr val="tx1"/>
+              </a:buClr>
+              <a:buFont typeface="Arial" panose="020B0604020202020204" pitchFamily="34" charset="0"/>
+              <a:buChar char="•"/>
+              <a:defRPr sz="1400" kern="1200" cap="all" baseline="0">
+                <a:solidFill>
+                  <a:schemeClr val="tx1"/>
+                </a:solidFill>
+                <a:effectLst/>
+                <a:latin typeface="+mn-lt"/>
+                <a:ea typeface="+mn-ea"/>
+                <a:cs typeface="+mn-cs"/>
+              </a:defRPr>
+            </a:lvl8pPr>
+            <a:lvl9pPr marL="3886200" indent="-228600" algn="l" defTabSz="914400" rtl="0" eaLnBrk="1" latinLnBrk="0" hangingPunct="1">
+              <a:lnSpc>
+                <a:spcPct val="120000"/>
+              </a:lnSpc>
+              <a:spcBef>
+                <a:spcPts val="500"/>
+              </a:spcBef>
+              <a:buClr>
+                <a:schemeClr val="tx1"/>
+              </a:buClr>
+              <a:buFont typeface="Arial" panose="020B0604020202020204" pitchFamily="34" charset="0"/>
+              <a:buChar char="•"/>
+              <a:defRPr sz="1400" kern="1200" cap="all" baseline="0">
+                <a:solidFill>
+                  <a:schemeClr val="tx1"/>
+                </a:solidFill>
+                <a:effectLst/>
+                <a:latin typeface="+mn-lt"/>
+                <a:ea typeface="+mn-ea"/>
+                <a:cs typeface="+mn-cs"/>
+              </a:defRPr>
+            </a:lvl9pPr>
+          </a:lstStyle>
+          <a:p>
+            <a:r>
+              <a:rPr lang="en-US" dirty="0"/>
+              <a:t>Architecture decisions</a:t>
+            </a:r>
+          </a:p>
+          <a:p>
+            <a:r>
+              <a:rPr lang="en-US" dirty="0"/>
+              <a:t>Demonstration</a:t>
+            </a:r>
+          </a:p>
+          <a:p>
+            <a:r>
+              <a:rPr lang="en-US" dirty="0"/>
+              <a:t>questions</a:t>
+            </a:r>
+          </a:p>
+          <a:p>
             <a:endParaRPr lang="en-US" dirty="0"/>
           </a:p>
-          <a:p>
-            <a:pPr marL="457200" lvl="1" indent="0">
-              <a:buNone/>
-            </a:pPr>
-            <a:r>
-              <a:rPr lang="en-US" dirty="0"/>
-              <a:t> Competition: </a:t>
-            </a:r>
-            <a:r>
-              <a:rPr lang="en-US" dirty="0" err="1"/>
-              <a:t>revenera</a:t>
-            </a:r>
-            <a:r>
-              <a:rPr lang="en-US" dirty="0"/>
-              <a:t> $20,000 first year, $10000 yearly lease</a:t>
-            </a:r>
-          </a:p>
-          <a:p>
-            <a:pPr marL="457200" lvl="1" indent="0">
-              <a:buNone/>
-            </a:pPr>
-            <a:r>
-              <a:rPr lang="en-US" b="0" i="0" dirty="0">
-                <a:effectLst/>
-                <a:latin typeface="inherit"/>
-                <a:hlinkClick r:id="rId2" tooltip="https://www.revenera.com/"/>
+        </p:txBody>
+      </p:sp>
+      <p:sp>
+        <p:nvSpPr>
+          <p:cNvPr id="6" name="TextBox 5">
+            <a:extLst>
+              <a:ext uri="{FF2B5EF4-FFF2-40B4-BE49-F238E27FC236}">
+                <a16:creationId xmlns:a16="http://schemas.microsoft.com/office/drawing/2014/main" id="{20CAFCE8-7365-D4D9-845A-ECBF78EED340}"/>
+              </a:ext>
+            </a:extLst>
+          </p:cNvPr>
+          <p:cNvSpPr txBox="1"/>
+          <p:nvPr/>
+        </p:nvSpPr>
+        <p:spPr>
+          <a:xfrm>
+            <a:off x="11535032" y="327454"/>
+            <a:ext cx="300082" cy="369332"/>
+          </a:xfrm>
+          <a:prstGeom prst="rect">
+            <a:avLst/>
+          </a:prstGeom>
+          <a:noFill/>
+        </p:spPr>
+        <p:txBody>
+          <a:bodyPr wrap="none" rtlCol="0">
+            <a:spAutoFit/>
+          </a:bodyPr>
+          <a:lstStyle/>
+          <a:p>
+            <a:r>
+              <a:rPr lang="en-US" dirty="0">
+                <a:highlight>
+                  <a:srgbClr val="00FFFF"/>
+                </a:highlight>
               </a:rPr>
-              <a:t>https://www.revenera.com/</a:t>
-            </a:r>
-            <a:r>
-              <a:rPr lang="en-US" b="0" i="0" dirty="0">
-                <a:effectLst/>
-                <a:latin typeface="inherit"/>
-              </a:rPr>
-              <a:t> </a:t>
-            </a:r>
-          </a:p>
-          <a:p>
-            <a:pPr marL="457200" lvl="1" indent="0">
-              <a:buNone/>
-            </a:pPr>
-            <a:r>
-              <a:rPr lang="en-US" dirty="0"/>
-              <a:t> </a:t>
-            </a:r>
+              <a:t>_</a:t>
+            </a:r>
+            <a:endParaRPr lang="en-US" dirty="0"/>
           </a:p>
         </p:txBody>
       </p:sp>
     </p:spTree>
     <p:extLst>
       <p:ext uri="{BB962C8B-B14F-4D97-AF65-F5344CB8AC3E}">
-        <p14:creationId xmlns:p14="http://schemas.microsoft.com/office/powerpoint/2010/main" val="4111655256"/>
+        <p14:creationId xmlns:p14="http://schemas.microsoft.com/office/powerpoint/2010/main" val="632365643"/>
       </p:ext>
     </p:extLst>
   </p:cSld>
@@ -8328,7 +9802,7 @@
           <p:cNvPr id="2" name="Title 1">
             <a:extLst>
               <a:ext uri="{FF2B5EF4-FFF2-40B4-BE49-F238E27FC236}">
-                <a16:creationId xmlns:a16="http://schemas.microsoft.com/office/drawing/2014/main" id="{1B97FB8D-77EC-10ED-DF38-0F27922C9925}"/>
+                <a16:creationId xmlns:a16="http://schemas.microsoft.com/office/drawing/2014/main" id="{1CC5E4AD-876F-1E30-04B7-D33760588235}"/>
               </a:ext>
             </a:extLst>
           </p:cNvPr>
@@ -8341,19 +9815,17 @@
         </p:nvSpPr>
         <p:spPr>
           <a:xfrm>
-            <a:off x="786454" y="178679"/>
-            <a:ext cx="10364451" cy="944065"/>
+            <a:off x="809603" y="0"/>
+            <a:ext cx="10364451" cy="960699"/>
           </a:xfrm>
         </p:spPr>
         <p:txBody>
-          <a:bodyPr>
-            <a:normAutofit/>
-          </a:bodyPr>
+          <a:bodyPr/>
           <a:lstStyle/>
           <a:p>
             <a:r>
               <a:rPr lang="en-US" dirty="0"/>
-              <a:t>Open-source Software License</a:t>
+              <a:t>Project overview</a:t>
             </a:r>
           </a:p>
         </p:txBody>
@@ -8363,7 +9835,7 @@
           <p:cNvPr id="3" name="Content Placeholder 2">
             <a:extLst>
               <a:ext uri="{FF2B5EF4-FFF2-40B4-BE49-F238E27FC236}">
-                <a16:creationId xmlns:a16="http://schemas.microsoft.com/office/drawing/2014/main" id="{62FCB5B8-2560-885B-CAE0-DB5AD9D2632C}"/>
+                <a16:creationId xmlns:a16="http://schemas.microsoft.com/office/drawing/2014/main" id="{FD6D2F74-ACA5-9CEB-3637-A33C35525F8A}"/>
               </a:ext>
             </a:extLst>
           </p:cNvPr>
@@ -8376,259 +9848,167 @@
         </p:nvSpPr>
         <p:spPr>
           <a:xfrm>
-            <a:off x="589684" y="972273"/>
-            <a:ext cx="10364452" cy="5405377"/>
+            <a:off x="565150" y="960699"/>
+            <a:ext cx="11102131" cy="4800529"/>
           </a:xfrm>
         </p:spPr>
         <p:txBody>
-          <a:bodyPr>
-            <a:normAutofit fontScale="55000" lnSpcReduction="20000"/>
+          <a:bodyPr/>
+          <a:lstStyle/>
+          <a:p>
+            <a:r>
+              <a:rPr lang="en-US" sz="2400" b="1" dirty="0"/>
+              <a:t>Greenfield Project </a:t>
+            </a:r>
+            <a:r>
+              <a:rPr lang="en-US" sz="2400" dirty="0"/>
+              <a:t>understood within domain experts</a:t>
+            </a:r>
+          </a:p>
+          <a:p>
+            <a:r>
+              <a:rPr lang="en-US" dirty="0"/>
+              <a:t>Agile path</a:t>
+            </a:r>
+          </a:p>
+          <a:p>
+            <a:r>
+              <a:rPr lang="en-US" dirty="0"/>
+              <a:t>Purpose, who is it for? </a:t>
+            </a:r>
+          </a:p>
+          <a:p>
+            <a:pPr lvl="1">
+              <a:buFont typeface="Wingdings" pitchFamily="2" charset="2"/>
+              <a:buChar char="è"/>
+            </a:pPr>
+            <a:r>
+              <a:rPr lang="en-US" dirty="0"/>
+              <a:t>software developers who do not want their software pirated</a:t>
+            </a:r>
+          </a:p>
+          <a:p>
+            <a:pPr lvl="1">
+              <a:buFont typeface="Wingdings" pitchFamily="2" charset="2"/>
+              <a:buChar char="è"/>
+            </a:pPr>
+            <a:r>
+              <a:rPr lang="en-US" dirty="0"/>
+              <a:t>Software users who want to purchase and use one or multiple software products</a:t>
+            </a:r>
+          </a:p>
+          <a:p>
+            <a:pPr marL="457200" lvl="1" indent="0">
+              <a:buNone/>
+            </a:pPr>
+            <a:endParaRPr lang="en-US" dirty="0"/>
+          </a:p>
+          <a:p>
+            <a:pPr marL="457200" lvl="1" indent="0">
+              <a:buNone/>
+            </a:pPr>
+            <a:endParaRPr lang="en-US" dirty="0"/>
+          </a:p>
+          <a:p>
+            <a:pPr marL="457200" lvl="1" indent="0">
+              <a:buNone/>
+            </a:pPr>
+            <a:r>
+              <a:rPr lang="en-US" b="1" dirty="0"/>
+              <a:t>Unique selling point:</a:t>
+            </a:r>
+          </a:p>
+          <a:p>
+            <a:pPr marL="457200" lvl="1" indent="0">
+              <a:buNone/>
+            </a:pPr>
+            <a:r>
+              <a:rPr lang="en-US" dirty="0"/>
+              <a:t> Competition: </a:t>
+            </a:r>
+            <a:r>
+              <a:rPr lang="en-US" dirty="0" err="1"/>
+              <a:t>revenera</a:t>
+            </a:r>
+            <a:r>
+              <a:rPr lang="en-US" dirty="0"/>
+              <a:t> appx ~ $20,000 first year, $10,000 yearly lease</a:t>
+            </a:r>
+          </a:p>
+          <a:p>
+            <a:pPr marL="457200" lvl="1" indent="0">
+              <a:buNone/>
+            </a:pPr>
+            <a:r>
+              <a:rPr lang="en-US" b="0" i="0" dirty="0">
+                <a:effectLst/>
+                <a:latin typeface="inherit"/>
+                <a:hlinkClick r:id="rId2" tooltip="https://www.revenera.com/"/>
+              </a:rPr>
+              <a:t>https://www.revenera.com/</a:t>
+            </a:r>
+            <a:r>
+              <a:rPr lang="en-US" b="0" i="0" dirty="0">
+                <a:effectLst/>
+                <a:latin typeface="inherit"/>
+              </a:rPr>
+              <a:t> </a:t>
+            </a:r>
+          </a:p>
+          <a:p>
+            <a:pPr marL="457200" lvl="1" indent="0">
+              <a:buNone/>
+            </a:pPr>
+            <a:r>
+              <a:rPr lang="en-US" dirty="0"/>
+              <a:t> </a:t>
+            </a:r>
+          </a:p>
+        </p:txBody>
+      </p:sp>
+      <p:sp>
+        <p:nvSpPr>
+          <p:cNvPr id="4" name="TextBox 3">
+            <a:extLst>
+              <a:ext uri="{FF2B5EF4-FFF2-40B4-BE49-F238E27FC236}">
+                <a16:creationId xmlns:a16="http://schemas.microsoft.com/office/drawing/2014/main" id="{D0D05B6A-F087-ADB9-EBD2-0D9E3BC73D6F}"/>
+              </a:ext>
+            </a:extLst>
+          </p:cNvPr>
+          <p:cNvSpPr txBox="1"/>
+          <p:nvPr/>
+        </p:nvSpPr>
+        <p:spPr>
+          <a:xfrm>
+            <a:off x="11396546" y="267629"/>
+            <a:ext cx="300082" cy="369332"/>
+          </a:xfrm>
+          <a:prstGeom prst="rect">
+            <a:avLst/>
+          </a:prstGeom>
+          <a:noFill/>
+        </p:spPr>
+        <p:txBody>
+          <a:bodyPr wrap="none" rtlCol="0">
+            <a:spAutoFit/>
           </a:bodyPr>
           <a:lstStyle/>
           <a:p>
-            <a:pPr marL="0" marR="0">
-              <a:lnSpc>
-                <a:spcPct val="107000"/>
-              </a:lnSpc>
-              <a:spcAft>
-                <a:spcPts val="800"/>
-              </a:spcAft>
-            </a:pPr>
-            <a:r>
-              <a:rPr lang="en-US" sz="1800" kern="100" dirty="0">
-                <a:effectLst/>
-                <a:latin typeface="Aptos" panose="020B0004020202020204" pitchFamily="34" charset="0"/>
-                <a:ea typeface="Aptos" panose="020B0004020202020204" pitchFamily="34" charset="0"/>
-                <a:cs typeface="Times New Roman" panose="02020603050405020304" pitchFamily="18" charset="0"/>
+            <a:r>
+              <a:rPr lang="en-US" dirty="0">
+                <a:highlight>
+                  <a:srgbClr val="00FFFF"/>
+                </a:highlight>
               </a:rPr>
-              <a:t>The GitHub repository contains a </a:t>
-            </a:r>
-            <a:r>
-              <a:rPr lang="en-US" sz="1800" kern="100" dirty="0" err="1">
-                <a:effectLst/>
-                <a:latin typeface="Aptos" panose="020B0004020202020204" pitchFamily="34" charset="0"/>
-                <a:ea typeface="Aptos" panose="020B0004020202020204" pitchFamily="34" charset="0"/>
-                <a:cs typeface="Times New Roman" panose="02020603050405020304" pitchFamily="18" charset="0"/>
-              </a:rPr>
-              <a:t>README.md</a:t>
-            </a:r>
-            <a:r>
-              <a:rPr lang="en-US" sz="1800" kern="100" dirty="0">
-                <a:effectLst/>
-                <a:latin typeface="Aptos" panose="020B0004020202020204" pitchFamily="34" charset="0"/>
-                <a:ea typeface="Aptos" panose="020B0004020202020204" pitchFamily="34" charset="0"/>
-                <a:cs typeface="Times New Roman" panose="02020603050405020304" pitchFamily="18" charset="0"/>
-              </a:rPr>
-              <a:t> file with important project information.</a:t>
-            </a:r>
-          </a:p>
-          <a:p>
-            <a:pPr marL="0" marR="0">
-              <a:lnSpc>
-                <a:spcPct val="107000"/>
-              </a:lnSpc>
-              <a:spcAft>
-                <a:spcPts val="800"/>
-              </a:spcAft>
-            </a:pPr>
-            <a:r>
-              <a:rPr lang="en-US" sz="1800" u="sng" kern="100" dirty="0">
-                <a:solidFill>
-                  <a:srgbClr val="467886"/>
-                </a:solidFill>
-                <a:effectLst/>
-                <a:latin typeface="Aptos" panose="020B0004020202020204" pitchFamily="34" charset="0"/>
-                <a:ea typeface="Aptos" panose="020B0004020202020204" pitchFamily="34" charset="0"/>
-                <a:cs typeface="Times New Roman" panose="02020603050405020304" pitchFamily="18" charset="0"/>
-                <a:hlinkClick r:id="rId2"/>
-              </a:rPr>
-              <a:t>https://github.com/colby13king/cs5320-code/blob/master/README.md</a:t>
-            </a:r>
-            <a:endParaRPr lang="en-US" sz="1800" kern="100" dirty="0">
-              <a:effectLst/>
-              <a:latin typeface="Aptos" panose="020B0004020202020204" pitchFamily="34" charset="0"/>
-              <a:ea typeface="Aptos" panose="020B0004020202020204" pitchFamily="34" charset="0"/>
-              <a:cs typeface="Times New Roman" panose="02020603050405020304" pitchFamily="18" charset="0"/>
-            </a:endParaRPr>
-          </a:p>
-          <a:p>
-            <a:pPr marL="0" marR="0">
-              <a:lnSpc>
-                <a:spcPct val="107000"/>
-              </a:lnSpc>
-              <a:spcAft>
-                <a:spcPts val="800"/>
-              </a:spcAft>
-            </a:pPr>
-            <a:r>
-              <a:rPr lang="en-US" sz="1800" kern="100" dirty="0">
-                <a:effectLst/>
-                <a:latin typeface="Aptos" panose="020B0004020202020204" pitchFamily="34" charset="0"/>
-                <a:ea typeface="Aptos" panose="020B0004020202020204" pitchFamily="34" charset="0"/>
-                <a:cs typeface="Times New Roman" panose="02020603050405020304" pitchFamily="18" charset="0"/>
-              </a:rPr>
-              <a:t>It is also included as part of this package.</a:t>
-            </a:r>
-          </a:p>
-          <a:p>
-            <a:pPr marL="0" marR="0" indent="0">
-              <a:spcAft>
-                <a:spcPts val="1800"/>
-              </a:spcAft>
-              <a:buNone/>
-            </a:pPr>
-            <a:r>
-              <a:rPr lang="en-US" sz="1800" dirty="0">
-                <a:solidFill>
-                  <a:srgbClr val="000000"/>
-                </a:solidFill>
-                <a:effectLst/>
-                <a:latin typeface="Arial" panose="020B0604020202020204" pitchFamily="34" charset="0"/>
-                <a:ea typeface="Times New Roman" panose="02020603050405020304" pitchFamily="18" charset="0"/>
-              </a:rPr>
-              <a:t>Copyright 2024 Johnny C. King and John L Williams Jr</a:t>
-            </a:r>
-          </a:p>
-          <a:p>
-            <a:pPr marL="0" marR="0" indent="0">
-              <a:spcAft>
-                <a:spcPts val="1800"/>
-              </a:spcAft>
-              <a:buNone/>
-            </a:pPr>
-            <a:r>
-              <a:rPr lang="en-US" sz="1800" dirty="0">
-                <a:solidFill>
-                  <a:srgbClr val="000000"/>
-                </a:solidFill>
-                <a:effectLst/>
-                <a:latin typeface="Libre Franklin" pitchFamily="2" charset="77"/>
-                <a:ea typeface="Times New Roman" panose="02020603050405020304" pitchFamily="18" charset="0"/>
-              </a:rPr>
-              <a:t>Permission is hereby granted, free of charge, to any person obtaining a copy of this software and associated documentation files (the “Software”), to deal in the Software without restriction, including without limitation the rights to use, copy, modify, merge, publish, distribute, sublicense, and/or sell copies of the Software, and to permit persons to whom the Software is furnished to do so, subject to the following conditions:</a:t>
-            </a:r>
-            <a:endParaRPr lang="en-US" sz="1800" dirty="0">
-              <a:effectLst/>
-              <a:latin typeface="Times New Roman" panose="02020603050405020304" pitchFamily="18" charset="0"/>
-              <a:ea typeface="Times New Roman" panose="02020603050405020304" pitchFamily="18" charset="0"/>
-            </a:endParaRPr>
-          </a:p>
-          <a:p>
-            <a:pPr marL="0" marR="0" indent="0">
-              <a:spcAft>
-                <a:spcPts val="1800"/>
-              </a:spcAft>
-              <a:buNone/>
-            </a:pPr>
-            <a:r>
-              <a:rPr lang="en-US" sz="1800" dirty="0">
-                <a:solidFill>
-                  <a:srgbClr val="000000"/>
-                </a:solidFill>
-                <a:effectLst/>
-                <a:latin typeface="Libre Franklin" pitchFamily="2" charset="77"/>
-                <a:ea typeface="Times New Roman" panose="02020603050405020304" pitchFamily="18" charset="0"/>
-              </a:rPr>
-              <a:t>The above copyright notice and this permission notice shall be included in all copies or substantial portions of the Software.</a:t>
-            </a:r>
-            <a:endParaRPr lang="en-US" sz="1800" dirty="0">
-              <a:effectLst/>
-              <a:latin typeface="Times New Roman" panose="02020603050405020304" pitchFamily="18" charset="0"/>
-              <a:ea typeface="Times New Roman" panose="02020603050405020304" pitchFamily="18" charset="0"/>
-            </a:endParaRPr>
-          </a:p>
-          <a:p>
-            <a:pPr marL="0" marR="0" indent="0">
-              <a:spcAft>
-                <a:spcPts val="1800"/>
-              </a:spcAft>
-              <a:buNone/>
-            </a:pPr>
-            <a:r>
-              <a:rPr lang="en-US" sz="1800" dirty="0">
-                <a:solidFill>
-                  <a:srgbClr val="000000"/>
-                </a:solidFill>
-                <a:latin typeface="Libre Franklin" pitchFamily="2" charset="77"/>
-                <a:ea typeface="Times New Roman" panose="02020603050405020304" pitchFamily="18" charset="0"/>
-              </a:rPr>
-              <a:t>T</a:t>
-            </a:r>
-            <a:r>
-              <a:rPr lang="en-US" sz="1800" dirty="0">
-                <a:solidFill>
-                  <a:srgbClr val="000000"/>
-                </a:solidFill>
-                <a:effectLst/>
-                <a:latin typeface="Libre Franklin" pitchFamily="2" charset="77"/>
-                <a:ea typeface="Times New Roman" panose="02020603050405020304" pitchFamily="18" charset="0"/>
-              </a:rPr>
-              <a:t>HE SOFTWARE IS PROVIDED “AS IS”, WITHOUT WARRANTY OF ANY KIND, EXPRESS OR IMPLIED, INCLUDING BUT NOT LIMITED TO THE WARRANTIES OF MERCHANTABILITY, FITNESS FOR A PARTICULAR PURPOSE AND NONINFRINGEMENT. IN NO EVENT SHALL THE AUTHORS OR COPYRIGHT HOLDERS BE LIABLE FOR ANY CLAIM, DAMAGES OR OTHER LIABILITY, WHETHER IN AN ACTION OF CONTRACT, TORT OR OTHERWISE, ARISING FROM, OUT OF OR IN CONNECTION WITH THE SOFTWARE OR THE USE OR OTHER DEALINGS IN THE SOFTWARE.</a:t>
-            </a:r>
-            <a:endParaRPr lang="en-US" sz="1800" dirty="0">
-              <a:effectLst/>
-              <a:latin typeface="Times New Roman" panose="02020603050405020304" pitchFamily="18" charset="0"/>
-              <a:ea typeface="Times New Roman" panose="02020603050405020304" pitchFamily="18" charset="0"/>
-            </a:endParaRPr>
-          </a:p>
-          <a:p>
-            <a:pPr marL="0" marR="0" indent="0">
-              <a:spcAft>
-                <a:spcPts val="1800"/>
-              </a:spcAft>
-              <a:buNone/>
-            </a:pPr>
-            <a:r>
-              <a:rPr lang="en-US" sz="1800" dirty="0">
-                <a:solidFill>
-                  <a:srgbClr val="000000"/>
-                </a:solidFill>
-                <a:effectLst/>
-                <a:latin typeface="Libre Franklin" pitchFamily="2" charset="77"/>
-                <a:ea typeface="Times New Roman" panose="02020603050405020304" pitchFamily="18" charset="0"/>
-              </a:rPr>
-              <a:t>This license is also controlled by the Manning Publisher License, who provided a great deal of guidance and source material in the creation of the application. Please read the details in the link provided below.</a:t>
-            </a:r>
-            <a:endParaRPr lang="en-US" sz="1800" dirty="0">
-              <a:effectLst/>
-              <a:latin typeface="Times New Roman" panose="02020603050405020304" pitchFamily="18" charset="0"/>
-              <a:ea typeface="Times New Roman" panose="02020603050405020304" pitchFamily="18" charset="0"/>
-            </a:endParaRPr>
-          </a:p>
-          <a:p>
-            <a:pPr marL="0" marR="0" indent="0">
-              <a:spcAft>
-                <a:spcPts val="1800"/>
-              </a:spcAft>
-              <a:buNone/>
-            </a:pPr>
-            <a:r>
-              <a:rPr lang="en-US" sz="1800" u="sng" dirty="0">
-                <a:solidFill>
-                  <a:srgbClr val="000000"/>
-                </a:solidFill>
-                <a:effectLst/>
-                <a:latin typeface="Libre Franklin" pitchFamily="2" charset="77"/>
-                <a:ea typeface="Times New Roman" panose="02020603050405020304" pitchFamily="18" charset="0"/>
-                <a:hlinkClick r:id="rId3"/>
-              </a:rPr>
-              <a:t>https://www.manning.com/ebook-license</a:t>
-            </a:r>
-            <a:endParaRPr lang="en-US" sz="1800" dirty="0">
-              <a:effectLst/>
-              <a:latin typeface="Times New Roman" panose="02020603050405020304" pitchFamily="18" charset="0"/>
-              <a:ea typeface="Times New Roman" panose="02020603050405020304" pitchFamily="18" charset="0"/>
-            </a:endParaRPr>
-          </a:p>
-          <a:p>
-            <a:endParaRPr lang="en-US" dirty="0"/>
+              <a:t>_</a:t>
+            </a:r>
           </a:p>
         </p:txBody>
       </p:sp>
     </p:spTree>
     <p:extLst>
       <p:ext uri="{BB962C8B-B14F-4D97-AF65-F5344CB8AC3E}">
-        <p14:creationId xmlns:p14="http://schemas.microsoft.com/office/powerpoint/2010/main" val="3073130659"/>
+        <p14:creationId xmlns:p14="http://schemas.microsoft.com/office/powerpoint/2010/main" val="4111655256"/>
       </p:ext>
     </p:extLst>
   </p:cSld>
@@ -8660,6 +10040,380 @@
           <p:cNvPr id="2" name="Title 1">
             <a:extLst>
               <a:ext uri="{FF2B5EF4-FFF2-40B4-BE49-F238E27FC236}">
+                <a16:creationId xmlns:a16="http://schemas.microsoft.com/office/drawing/2014/main" id="{1B97FB8D-77EC-10ED-DF38-0F27922C9925}"/>
+              </a:ext>
+            </a:extLst>
+          </p:cNvPr>
+          <p:cNvSpPr>
+            <a:spLocks noGrp="1"/>
+          </p:cNvSpPr>
+          <p:nvPr>
+            <p:ph type="title"/>
+          </p:nvPr>
+        </p:nvSpPr>
+        <p:spPr>
+          <a:xfrm>
+            <a:off x="786454" y="178679"/>
+            <a:ext cx="10364451" cy="944065"/>
+          </a:xfrm>
+        </p:spPr>
+        <p:txBody>
+          <a:bodyPr>
+            <a:normAutofit/>
+          </a:bodyPr>
+          <a:lstStyle/>
+          <a:p>
+            <a:r>
+              <a:rPr lang="en-US" dirty="0"/>
+              <a:t>Open-source Software License</a:t>
+            </a:r>
+          </a:p>
+        </p:txBody>
+      </p:sp>
+      <p:sp>
+        <p:nvSpPr>
+          <p:cNvPr id="3" name="Content Placeholder 2">
+            <a:extLst>
+              <a:ext uri="{FF2B5EF4-FFF2-40B4-BE49-F238E27FC236}">
+                <a16:creationId xmlns:a16="http://schemas.microsoft.com/office/drawing/2014/main" id="{62FCB5B8-2560-885B-CAE0-DB5AD9D2632C}"/>
+              </a:ext>
+            </a:extLst>
+          </p:cNvPr>
+          <p:cNvSpPr>
+            <a:spLocks noGrp="1"/>
+          </p:cNvSpPr>
+          <p:nvPr>
+            <p:ph idx="1"/>
+          </p:nvPr>
+        </p:nvSpPr>
+        <p:spPr>
+          <a:xfrm>
+            <a:off x="589684" y="972273"/>
+            <a:ext cx="10364452" cy="5405377"/>
+          </a:xfrm>
+        </p:spPr>
+        <p:txBody>
+          <a:bodyPr>
+            <a:normAutofit fontScale="55000" lnSpcReduction="20000"/>
+          </a:bodyPr>
+          <a:lstStyle/>
+          <a:p>
+            <a:pPr marL="0" marR="0">
+              <a:lnSpc>
+                <a:spcPct val="107000"/>
+              </a:lnSpc>
+              <a:spcAft>
+                <a:spcPts val="800"/>
+              </a:spcAft>
+            </a:pPr>
+            <a:r>
+              <a:rPr lang="en-US" sz="1800" kern="100" dirty="0">
+                <a:effectLst/>
+                <a:latin typeface="Aptos" panose="020B0004020202020204" pitchFamily="34" charset="0"/>
+                <a:ea typeface="Aptos" panose="020B0004020202020204" pitchFamily="34" charset="0"/>
+                <a:cs typeface="Times New Roman" panose="02020603050405020304" pitchFamily="18" charset="0"/>
+              </a:rPr>
+              <a:t>The GitHub repository contains a </a:t>
+            </a:r>
+            <a:r>
+              <a:rPr lang="en-US" sz="1800" kern="100" dirty="0" err="1">
+                <a:effectLst/>
+                <a:latin typeface="Aptos" panose="020B0004020202020204" pitchFamily="34" charset="0"/>
+                <a:ea typeface="Aptos" panose="020B0004020202020204" pitchFamily="34" charset="0"/>
+                <a:cs typeface="Times New Roman" panose="02020603050405020304" pitchFamily="18" charset="0"/>
+              </a:rPr>
+              <a:t>README.md</a:t>
+            </a:r>
+            <a:r>
+              <a:rPr lang="en-US" sz="1800" kern="100" dirty="0">
+                <a:effectLst/>
+                <a:latin typeface="Aptos" panose="020B0004020202020204" pitchFamily="34" charset="0"/>
+                <a:ea typeface="Aptos" panose="020B0004020202020204" pitchFamily="34" charset="0"/>
+                <a:cs typeface="Times New Roman" panose="02020603050405020304" pitchFamily="18" charset="0"/>
+              </a:rPr>
+              <a:t> file with important project information.</a:t>
+            </a:r>
+          </a:p>
+          <a:p>
+            <a:pPr marL="0" marR="0">
+              <a:lnSpc>
+                <a:spcPct val="107000"/>
+              </a:lnSpc>
+              <a:spcAft>
+                <a:spcPts val="800"/>
+              </a:spcAft>
+            </a:pPr>
+            <a:r>
+              <a:rPr lang="en-US" sz="1800" u="sng" kern="100" dirty="0">
+                <a:solidFill>
+                  <a:srgbClr val="467886"/>
+                </a:solidFill>
+                <a:effectLst/>
+                <a:latin typeface="Aptos" panose="020B0004020202020204" pitchFamily="34" charset="0"/>
+                <a:ea typeface="Aptos" panose="020B0004020202020204" pitchFamily="34" charset="0"/>
+                <a:cs typeface="Times New Roman" panose="02020603050405020304" pitchFamily="18" charset="0"/>
+                <a:hlinkClick r:id="rId2"/>
+              </a:rPr>
+              <a:t>https://github.com/colby13king/cs5320-code/blob/master/README.md</a:t>
+            </a:r>
+            <a:endParaRPr lang="en-US" sz="1800" kern="100" dirty="0">
+              <a:effectLst/>
+              <a:latin typeface="Aptos" panose="020B0004020202020204" pitchFamily="34" charset="0"/>
+              <a:ea typeface="Aptos" panose="020B0004020202020204" pitchFamily="34" charset="0"/>
+              <a:cs typeface="Times New Roman" panose="02020603050405020304" pitchFamily="18" charset="0"/>
+            </a:endParaRPr>
+          </a:p>
+          <a:p>
+            <a:pPr marL="0" marR="0">
+              <a:lnSpc>
+                <a:spcPct val="107000"/>
+              </a:lnSpc>
+              <a:spcAft>
+                <a:spcPts val="800"/>
+              </a:spcAft>
+            </a:pPr>
+            <a:r>
+              <a:rPr lang="en-US" sz="1800" kern="100" dirty="0">
+                <a:effectLst/>
+                <a:latin typeface="Aptos" panose="020B0004020202020204" pitchFamily="34" charset="0"/>
+                <a:ea typeface="Aptos" panose="020B0004020202020204" pitchFamily="34" charset="0"/>
+                <a:cs typeface="Times New Roman" panose="02020603050405020304" pitchFamily="18" charset="0"/>
+              </a:rPr>
+              <a:t>It is also included as part of this package.</a:t>
+            </a:r>
+          </a:p>
+          <a:p>
+            <a:pPr marL="0" marR="0" indent="0">
+              <a:spcAft>
+                <a:spcPts val="1800"/>
+              </a:spcAft>
+              <a:buNone/>
+            </a:pPr>
+            <a:r>
+              <a:rPr lang="en-US" sz="1800" dirty="0">
+                <a:solidFill>
+                  <a:srgbClr val="000000"/>
+                </a:solidFill>
+                <a:effectLst/>
+                <a:latin typeface="Arial" panose="020B0604020202020204" pitchFamily="34" charset="0"/>
+                <a:ea typeface="Times New Roman" panose="02020603050405020304" pitchFamily="18" charset="0"/>
+              </a:rPr>
+              <a:t>Copyright 2024 Johnny C. King and John L Williams Jr</a:t>
+            </a:r>
+          </a:p>
+          <a:p>
+            <a:pPr marL="0" marR="0" indent="0">
+              <a:spcAft>
+                <a:spcPts val="1800"/>
+              </a:spcAft>
+              <a:buNone/>
+            </a:pPr>
+            <a:r>
+              <a:rPr lang="en-US" sz="1800" dirty="0">
+                <a:solidFill>
+                  <a:srgbClr val="000000"/>
+                </a:solidFill>
+                <a:effectLst/>
+                <a:latin typeface="Libre Franklin" pitchFamily="2" charset="77"/>
+                <a:ea typeface="Times New Roman" panose="02020603050405020304" pitchFamily="18" charset="0"/>
+              </a:rPr>
+              <a:t>Permission is hereby granted, free of charge, to any person obtaining a copy of this software and associated documentation files (the “Software”), to deal in the Software without restriction, including without limitation the rights to use, copy, modify, merge, publish, distribute, sublicense, and/or sell copies of the Software, and to permit persons to whom the Software is furnished to do so, subject to the following conditions:</a:t>
+            </a:r>
+            <a:endParaRPr lang="en-US" sz="1800" dirty="0">
+              <a:effectLst/>
+              <a:latin typeface="Times New Roman" panose="02020603050405020304" pitchFamily="18" charset="0"/>
+              <a:ea typeface="Times New Roman" panose="02020603050405020304" pitchFamily="18" charset="0"/>
+            </a:endParaRPr>
+          </a:p>
+          <a:p>
+            <a:pPr marL="0" marR="0" indent="0">
+              <a:spcAft>
+                <a:spcPts val="1800"/>
+              </a:spcAft>
+              <a:buNone/>
+            </a:pPr>
+            <a:r>
+              <a:rPr lang="en-US" sz="1800" dirty="0">
+                <a:solidFill>
+                  <a:srgbClr val="000000"/>
+                </a:solidFill>
+                <a:effectLst/>
+                <a:latin typeface="Libre Franklin" pitchFamily="2" charset="77"/>
+                <a:ea typeface="Times New Roman" panose="02020603050405020304" pitchFamily="18" charset="0"/>
+              </a:rPr>
+              <a:t>The above copyright notice and this permission notice shall be included in all copies or substantial portions of the Software.</a:t>
+            </a:r>
+            <a:endParaRPr lang="en-US" sz="1800" dirty="0">
+              <a:effectLst/>
+              <a:latin typeface="Times New Roman" panose="02020603050405020304" pitchFamily="18" charset="0"/>
+              <a:ea typeface="Times New Roman" panose="02020603050405020304" pitchFamily="18" charset="0"/>
+            </a:endParaRPr>
+          </a:p>
+          <a:p>
+            <a:pPr marL="0" marR="0" indent="0">
+              <a:spcAft>
+                <a:spcPts val="1800"/>
+              </a:spcAft>
+              <a:buNone/>
+            </a:pPr>
+            <a:r>
+              <a:rPr lang="en-US" sz="1800" dirty="0">
+                <a:solidFill>
+                  <a:srgbClr val="000000"/>
+                </a:solidFill>
+                <a:latin typeface="Libre Franklin" pitchFamily="2" charset="77"/>
+                <a:ea typeface="Times New Roman" panose="02020603050405020304" pitchFamily="18" charset="0"/>
+              </a:rPr>
+              <a:t>T</a:t>
+            </a:r>
+            <a:r>
+              <a:rPr lang="en-US" sz="1800" dirty="0">
+                <a:solidFill>
+                  <a:srgbClr val="000000"/>
+                </a:solidFill>
+                <a:effectLst/>
+                <a:latin typeface="Libre Franklin" pitchFamily="2" charset="77"/>
+                <a:ea typeface="Times New Roman" panose="02020603050405020304" pitchFamily="18" charset="0"/>
+              </a:rPr>
+              <a:t>HE SOFTWARE IS PROVIDED “AS IS”, WITHOUT WARRANTY OF ANY KIND, EXPRESS OR IMPLIED, INCLUDING BUT NOT LIMITED TO THE WARRANTIES OF MERCHANTABILITY, FITNESS FOR A PARTICULAR PURPOSE AND NONINFRINGEMENT. IN NO EVENT SHALL THE AUTHORS OR COPYRIGHT HOLDERS BE LIABLE FOR ANY CLAIM, DAMAGES OR OTHER LIABILITY, WHETHER IN AN ACTION OF CONTRACT, TORT OR OTHERWISE, ARISING FROM, OUT OF OR IN CONNECTION WITH THE SOFTWARE OR THE USE OR OTHER DEALINGS IN THE SOFTWARE.</a:t>
+            </a:r>
+            <a:endParaRPr lang="en-US" sz="1800" dirty="0">
+              <a:effectLst/>
+              <a:latin typeface="Times New Roman" panose="02020603050405020304" pitchFamily="18" charset="0"/>
+              <a:ea typeface="Times New Roman" panose="02020603050405020304" pitchFamily="18" charset="0"/>
+            </a:endParaRPr>
+          </a:p>
+          <a:p>
+            <a:pPr marL="0" marR="0" indent="0">
+              <a:spcAft>
+                <a:spcPts val="1800"/>
+              </a:spcAft>
+              <a:buNone/>
+            </a:pPr>
+            <a:r>
+              <a:rPr lang="en-US" sz="1800" dirty="0">
+                <a:solidFill>
+                  <a:srgbClr val="000000"/>
+                </a:solidFill>
+                <a:effectLst/>
+                <a:latin typeface="Libre Franklin" pitchFamily="2" charset="77"/>
+                <a:ea typeface="Times New Roman" panose="02020603050405020304" pitchFamily="18" charset="0"/>
+              </a:rPr>
+              <a:t>This license is also controlled by the Manning Publisher License, who provided a great deal of guidance and source material in the creation of the application. Please read the details in the link provided below.</a:t>
+            </a:r>
+            <a:endParaRPr lang="en-US" sz="1800" dirty="0">
+              <a:effectLst/>
+              <a:latin typeface="Times New Roman" panose="02020603050405020304" pitchFamily="18" charset="0"/>
+              <a:ea typeface="Times New Roman" panose="02020603050405020304" pitchFamily="18" charset="0"/>
+            </a:endParaRPr>
+          </a:p>
+          <a:p>
+            <a:pPr marL="0" marR="0" indent="0">
+              <a:spcAft>
+                <a:spcPts val="1800"/>
+              </a:spcAft>
+              <a:buNone/>
+            </a:pPr>
+            <a:r>
+              <a:rPr lang="en-US" sz="1800" u="sng" dirty="0">
+                <a:solidFill>
+                  <a:srgbClr val="000000"/>
+                </a:solidFill>
+                <a:effectLst/>
+                <a:latin typeface="Libre Franklin" pitchFamily="2" charset="77"/>
+                <a:ea typeface="Times New Roman" panose="02020603050405020304" pitchFamily="18" charset="0"/>
+                <a:hlinkClick r:id="rId3"/>
+              </a:rPr>
+              <a:t>https://www.manning.com/ebook-license</a:t>
+            </a:r>
+            <a:endParaRPr lang="en-US" sz="1800" dirty="0">
+              <a:effectLst/>
+              <a:latin typeface="Times New Roman" panose="02020603050405020304" pitchFamily="18" charset="0"/>
+              <a:ea typeface="Times New Roman" panose="02020603050405020304" pitchFamily="18" charset="0"/>
+            </a:endParaRPr>
+          </a:p>
+          <a:p>
+            <a:endParaRPr lang="en-US" dirty="0"/>
+          </a:p>
+        </p:txBody>
+      </p:sp>
+      <p:sp>
+        <p:nvSpPr>
+          <p:cNvPr id="4" name="TextBox 3">
+            <a:extLst>
+              <a:ext uri="{FF2B5EF4-FFF2-40B4-BE49-F238E27FC236}">
+                <a16:creationId xmlns:a16="http://schemas.microsoft.com/office/drawing/2014/main" id="{C466BEC3-D302-F2B7-F8E3-B51714C4B227}"/>
+              </a:ext>
+            </a:extLst>
+          </p:cNvPr>
+          <p:cNvSpPr txBox="1"/>
+          <p:nvPr/>
+        </p:nvSpPr>
+        <p:spPr>
+          <a:xfrm>
+            <a:off x="11359376" y="297366"/>
+            <a:ext cx="300082" cy="646331"/>
+          </a:xfrm>
+          <a:prstGeom prst="rect">
+            <a:avLst/>
+          </a:prstGeom>
+          <a:noFill/>
+        </p:spPr>
+        <p:txBody>
+          <a:bodyPr wrap="none" rtlCol="0">
+            <a:spAutoFit/>
+          </a:bodyPr>
+          <a:lstStyle/>
+          <a:p>
+            <a:r>
+              <a:rPr lang="en-US" dirty="0">
+                <a:highlight>
+                  <a:srgbClr val="00FF00"/>
+                </a:highlight>
+              </a:rPr>
+              <a:t>_</a:t>
+            </a:r>
+          </a:p>
+          <a:p>
+            <a:endParaRPr lang="en-US" dirty="0"/>
+          </a:p>
+        </p:txBody>
+      </p:sp>
+    </p:spTree>
+    <p:extLst>
+      <p:ext uri="{BB962C8B-B14F-4D97-AF65-F5344CB8AC3E}">
+        <p14:creationId xmlns:p14="http://schemas.microsoft.com/office/powerpoint/2010/main" val="3073130659"/>
+      </p:ext>
+    </p:extLst>
+  </p:cSld>
+  <p:clrMapOvr>
+    <a:masterClrMapping/>
+  </p:clrMapOvr>
+</p:sld>
+</file>
+
+<file path=ppt/slides/slide5.xml><?xml version="1.0" encoding="utf-8"?>
+<p:sld xmlns:a="http://schemas.openxmlformats.org/drawingml/2006/main" xmlns:r="http://schemas.openxmlformats.org/officeDocument/2006/relationships" xmlns:p="http://schemas.openxmlformats.org/presentationml/2006/main">
+  <p:cSld>
+    <p:spTree>
+      <p:nvGrpSpPr>
+        <p:cNvPr id="1" name=""/>
+        <p:cNvGrpSpPr/>
+        <p:nvPr/>
+      </p:nvGrpSpPr>
+      <p:grpSpPr>
+        <a:xfrm>
+          <a:off x="0" y="0"/>
+          <a:ext cx="0" cy="0"/>
+          <a:chOff x="0" y="0"/>
+          <a:chExt cx="0" cy="0"/>
+        </a:xfrm>
+      </p:grpSpPr>
+      <p:sp>
+        <p:nvSpPr>
+          <p:cNvPr id="2" name="Title 1">
+            <a:extLst>
+              <a:ext uri="{FF2B5EF4-FFF2-40B4-BE49-F238E27FC236}">
                 <a16:creationId xmlns:a16="http://schemas.microsoft.com/office/drawing/2014/main" id="{AB6BB344-77F6-B080-5318-5F71DC1E5687}"/>
               </a:ext>
             </a:extLst>
@@ -8703,14 +10457,14 @@
           <p:nvPr>
             <p:extLst>
               <p:ext uri="{D42A27DB-BD31-4B8C-83A1-F6EECF244321}">
-                <p14:modId xmlns:p14="http://schemas.microsoft.com/office/powerpoint/2010/main" val="4098434808"/>
+                <p14:modId xmlns:p14="http://schemas.microsoft.com/office/powerpoint/2010/main" val="3829733338"/>
               </p:ext>
             </p:extLst>
           </p:nvPr>
         </p:nvGraphicFramePr>
         <p:xfrm>
           <a:off x="913774" y="1715867"/>
-          <a:ext cx="10106972" cy="3782110"/>
+          <a:ext cx="10106972" cy="4538532"/>
         </p:xfrm>
         <a:graphic>
           <a:graphicData uri="http://schemas.openxmlformats.org/drawingml/2006/table">
@@ -9161,12 +10915,12 @@
                         </a:spcAft>
                       </a:pPr>
                       <a:r>
-                        <a:rPr lang="en-US" sz="1100" kern="100">
+                        <a:rPr lang="en-US" sz="1100" kern="100" dirty="0">
                           <a:effectLst/>
                         </a:rPr>
                         <a:t>Users can view/edit Cart</a:t>
                       </a:r>
-                      <a:endParaRPr lang="en-US" sz="1100" kern="100">
+                      <a:endParaRPr lang="en-US" sz="1100" kern="100" dirty="0">
                         <a:effectLst/>
                         <a:latin typeface="Aptos" panose="020B0004020202020204" pitchFamily="34" charset="0"/>
                         <a:ea typeface="Aptos" panose="020B0004020202020204" pitchFamily="34" charset="0"/>
@@ -9605,7 +11359,7 @@
                         <a:rPr lang="en-US" sz="1100" kern="100" dirty="0">
                           <a:effectLst/>
                         </a:rPr>
-                        <a:t>R-7</a:t>
+                        <a:t>R-9</a:t>
                       </a:r>
                       <a:endParaRPr lang="en-US" sz="1100" kern="100" dirty="0">
                         <a:effectLst/>
@@ -9663,7 +11417,7 @@
                         <a:rPr lang="en-US" sz="1100" kern="100" dirty="0">
                           <a:effectLst/>
                         </a:rPr>
-                        <a:t>In Progress</a:t>
+                        <a:t>Done</a:t>
                       </a:r>
                       <a:endParaRPr lang="en-US" sz="1100" kern="100" dirty="0">
                         <a:effectLst/>
@@ -9681,10 +11435,249 @@
                   </a:ext>
                 </a:extLst>
               </a:tr>
+              <a:tr h="378211">
+                <a:tc>
+                  <a:txBody>
+                    <a:bodyPr/>
+                    <a:lstStyle/>
+                    <a:p>
+                      <a:pPr marL="0" marR="0">
+                        <a:lnSpc>
+                          <a:spcPct val="107000"/>
+                        </a:lnSpc>
+                        <a:spcAft>
+                          <a:spcPts val="800"/>
+                        </a:spcAft>
+                      </a:pPr>
+                      <a:r>
+                        <a:rPr lang="en-US" sz="1100" kern="100" dirty="0">
+                          <a:effectLst/>
+                        </a:rPr>
+                        <a:t>R-10</a:t>
+                      </a:r>
+                      <a:endParaRPr lang="en-US" sz="1100" kern="100" dirty="0">
+                        <a:effectLst/>
+                        <a:latin typeface="Aptos" panose="020B0004020202020204" pitchFamily="34" charset="0"/>
+                        <a:ea typeface="Aptos" panose="020B0004020202020204" pitchFamily="34" charset="0"/>
+                        <a:cs typeface="Times New Roman" panose="02020603050405020304" pitchFamily="18" charset="0"/>
+                      </a:endParaRPr>
+                    </a:p>
+                  </a:txBody>
+                  <a:tcPr marL="68580" marR="68580" marT="0" marB="0"/>
+                </a:tc>
+                <a:tc>
+                  <a:txBody>
+                    <a:bodyPr/>
+                    <a:lstStyle/>
+                    <a:p>
+                      <a:pPr marL="0" marR="0">
+                        <a:lnSpc>
+                          <a:spcPct val="107000"/>
+                        </a:lnSpc>
+                        <a:spcAft>
+                          <a:spcPts val="800"/>
+                        </a:spcAft>
+                      </a:pPr>
+                      <a:r>
+                        <a:rPr lang="en-US" sz="1100" kern="100" dirty="0">
+                          <a:effectLst/>
+                        </a:rPr>
+                        <a:t>Admin Security</a:t>
+                      </a:r>
+                      <a:endParaRPr lang="en-US" sz="1100" kern="100" dirty="0">
+                        <a:effectLst/>
+                        <a:latin typeface="Aptos" panose="020B0004020202020204" pitchFamily="34" charset="0"/>
+                        <a:ea typeface="Aptos" panose="020B0004020202020204" pitchFamily="34" charset="0"/>
+                        <a:cs typeface="Times New Roman" panose="02020603050405020304" pitchFamily="18" charset="0"/>
+                      </a:endParaRPr>
+                    </a:p>
+                  </a:txBody>
+                  <a:tcPr marL="68580" marR="68580" marT="0" marB="0"/>
+                </a:tc>
+                <a:tc>
+                  <a:txBody>
+                    <a:bodyPr/>
+                    <a:lstStyle/>
+                    <a:p>
+                      <a:pPr marL="0" marR="0">
+                        <a:lnSpc>
+                          <a:spcPct val="107000"/>
+                        </a:lnSpc>
+                        <a:spcAft>
+                          <a:spcPts val="800"/>
+                        </a:spcAft>
+                      </a:pPr>
+                      <a:r>
+                        <a:rPr lang="en-US" sz="1100" kern="100" dirty="0">
+                          <a:effectLst/>
+                        </a:rPr>
+                        <a:t>Done</a:t>
+                      </a:r>
+                      <a:endParaRPr lang="en-US" sz="1100" kern="100" dirty="0">
+                        <a:effectLst/>
+                        <a:latin typeface="Aptos" panose="020B0004020202020204" pitchFamily="34" charset="0"/>
+                        <a:ea typeface="Aptos" panose="020B0004020202020204" pitchFamily="34" charset="0"/>
+                        <a:cs typeface="Times New Roman" panose="02020603050405020304" pitchFamily="18" charset="0"/>
+                      </a:endParaRPr>
+                    </a:p>
+                  </a:txBody>
+                  <a:tcPr marL="68580" marR="68580" marT="0" marB="0"/>
+                </a:tc>
+                <a:extLst>
+                  <a:ext uri="{0D108BD9-81ED-4DB2-BD59-A6C34878D82A}">
+                    <a16:rowId xmlns:a16="http://schemas.microsoft.com/office/drawing/2014/main" val="1238731009"/>
+                  </a:ext>
+                </a:extLst>
+              </a:tr>
+              <a:tr h="378211">
+                <a:tc>
+                  <a:txBody>
+                    <a:bodyPr/>
+                    <a:lstStyle/>
+                    <a:p>
+                      <a:pPr marL="0" marR="0" lvl="0" indent="0" algn="l" defTabSz="914400" rtl="0" eaLnBrk="1" fontAlgn="auto" latinLnBrk="0" hangingPunct="1">
+                        <a:lnSpc>
+                          <a:spcPct val="107000"/>
+                        </a:lnSpc>
+                        <a:spcBef>
+                          <a:spcPts val="0"/>
+                        </a:spcBef>
+                        <a:spcAft>
+                          <a:spcPts val="800"/>
+                        </a:spcAft>
+                        <a:buClrTx/>
+                        <a:buSzTx/>
+                        <a:buFontTx/>
+                        <a:buNone/>
+                        <a:tabLst/>
+                        <a:defRPr/>
+                      </a:pPr>
+                      <a:r>
+                        <a:rPr lang="en-US" sz="1100" kern="100" dirty="0">
+                          <a:effectLst/>
+                        </a:rPr>
+                        <a:t>R-11</a:t>
+                      </a:r>
+                      <a:endParaRPr lang="en-US" sz="1100" kern="100" dirty="0">
+                        <a:effectLst/>
+                        <a:latin typeface="Aptos" panose="020B0004020202020204" pitchFamily="34" charset="0"/>
+                        <a:ea typeface="Aptos" panose="020B0004020202020204" pitchFamily="34" charset="0"/>
+                        <a:cs typeface="Times New Roman" panose="02020603050405020304" pitchFamily="18" charset="0"/>
+                      </a:endParaRPr>
+                    </a:p>
+                  </a:txBody>
+                  <a:tcPr marL="68580" marR="68580" marT="0" marB="0"/>
+                </a:tc>
+                <a:tc>
+                  <a:txBody>
+                    <a:bodyPr/>
+                    <a:lstStyle/>
+                    <a:p>
+                      <a:pPr marL="0" marR="0">
+                        <a:lnSpc>
+                          <a:spcPct val="107000"/>
+                        </a:lnSpc>
+                        <a:spcAft>
+                          <a:spcPts val="800"/>
+                        </a:spcAft>
+                      </a:pPr>
+                      <a:r>
+                        <a:rPr lang="en-US" sz="1100" kern="100" dirty="0">
+                          <a:effectLst/>
+                        </a:rPr>
+                        <a:t>Users can pay for software subscription</a:t>
+                      </a:r>
+                      <a:endParaRPr lang="en-US" sz="1100" kern="100" dirty="0">
+                        <a:effectLst/>
+                        <a:latin typeface="Aptos" panose="020B0004020202020204" pitchFamily="34" charset="0"/>
+                        <a:ea typeface="Aptos" panose="020B0004020202020204" pitchFamily="34" charset="0"/>
+                        <a:cs typeface="Times New Roman" panose="02020603050405020304" pitchFamily="18" charset="0"/>
+                      </a:endParaRPr>
+                    </a:p>
+                  </a:txBody>
+                  <a:tcPr marL="68580" marR="68580" marT="0" marB="0"/>
+                </a:tc>
+                <a:tc>
+                  <a:txBody>
+                    <a:bodyPr/>
+                    <a:lstStyle/>
+                    <a:p>
+                      <a:pPr marL="0" marR="0">
+                        <a:lnSpc>
+                          <a:spcPct val="107000"/>
+                        </a:lnSpc>
+                        <a:spcAft>
+                          <a:spcPts val="800"/>
+                        </a:spcAft>
+                      </a:pPr>
+                      <a:r>
+                        <a:rPr lang="en-US" sz="1100" kern="100" dirty="0">
+                          <a:effectLst/>
+                        </a:rPr>
+                        <a:t>Not Started</a:t>
+                      </a:r>
+                      <a:endParaRPr lang="en-US" sz="1100" kern="100" dirty="0">
+                        <a:effectLst/>
+                        <a:latin typeface="Aptos" panose="020B0004020202020204" pitchFamily="34" charset="0"/>
+                        <a:ea typeface="Aptos" panose="020B0004020202020204" pitchFamily="34" charset="0"/>
+                        <a:cs typeface="Times New Roman" panose="02020603050405020304" pitchFamily="18" charset="0"/>
+                      </a:endParaRPr>
+                    </a:p>
+                  </a:txBody>
+                  <a:tcPr marL="68580" marR="68580" marT="0" marB="0"/>
+                </a:tc>
+                <a:extLst>
+                  <a:ext uri="{0D108BD9-81ED-4DB2-BD59-A6C34878D82A}">
+                    <a16:rowId xmlns:a16="http://schemas.microsoft.com/office/drawing/2014/main" val="2887151238"/>
+                  </a:ext>
+                </a:extLst>
+              </a:tr>
             </a:tbl>
           </a:graphicData>
         </a:graphic>
       </p:graphicFrame>
+      <p:sp>
+        <p:nvSpPr>
+          <p:cNvPr id="3" name="TextBox 2">
+            <a:extLst>
+              <a:ext uri="{FF2B5EF4-FFF2-40B4-BE49-F238E27FC236}">
+                <a16:creationId xmlns:a16="http://schemas.microsoft.com/office/drawing/2014/main" id="{416DDF25-B9AD-7A02-DBFF-B715C97FBB92}"/>
+              </a:ext>
+            </a:extLst>
+          </p:cNvPr>
+          <p:cNvSpPr txBox="1"/>
+          <p:nvPr/>
+        </p:nvSpPr>
+        <p:spPr>
+          <a:xfrm>
+            <a:off x="11433717" y="327102"/>
+            <a:ext cx="300082" cy="646331"/>
+          </a:xfrm>
+          <a:prstGeom prst="rect">
+            <a:avLst/>
+          </a:prstGeom>
+          <a:noFill/>
+        </p:spPr>
+        <p:txBody>
+          <a:bodyPr wrap="none" rtlCol="0">
+            <a:spAutoFit/>
+          </a:bodyPr>
+          <a:lstStyle/>
+          <a:p>
+            <a:r>
+              <a:rPr lang="en-US" dirty="0">
+                <a:highlight>
+                  <a:srgbClr val="00FFFF"/>
+                </a:highlight>
+              </a:rPr>
+              <a:t>_</a:t>
+            </a:r>
+          </a:p>
+          <a:p>
+            <a:endParaRPr lang="en-US" dirty="0"/>
+          </a:p>
+        </p:txBody>
+      </p:sp>
     </p:spTree>
     <p:extLst>
       <p:ext uri="{BB962C8B-B14F-4D97-AF65-F5344CB8AC3E}">
@@ -9698,7 +11691,7 @@
 </p:sld>
 </file>
 
-<file path=ppt/slides/slide5.xml><?xml version="1.0" encoding="utf-8"?>
+<file path=ppt/slides/slide6.xml><?xml version="1.0" encoding="utf-8"?>
 <p:sld xmlns:a="http://schemas.openxmlformats.org/drawingml/2006/main" xmlns:r="http://schemas.openxmlformats.org/officeDocument/2006/relationships" xmlns:p="http://schemas.openxmlformats.org/presentationml/2006/main">
   <p:cSld>
     <p:spTree>
@@ -9766,7 +11759,7 @@
             <p:ph idx="1"/>
             <p:extLst>
               <p:ext uri="{D42A27DB-BD31-4B8C-83A1-F6EECF244321}">
-                <p14:modId xmlns:p14="http://schemas.microsoft.com/office/powerpoint/2010/main" val="1086087909"/>
+                <p14:modId xmlns:p14="http://schemas.microsoft.com/office/powerpoint/2010/main" val="3840701723"/>
               </p:ext>
             </p:extLst>
           </p:nvPr>
@@ -10065,12 +12058,12 @@
                         </a:spcAft>
                       </a:pPr>
                       <a:r>
-                        <a:rPr lang="en-US" sz="1100" kern="100">
+                        <a:rPr lang="en-US" sz="1100" kern="100" dirty="0">
                           <a:effectLst/>
                         </a:rPr>
-                        <a:t>In Progress</a:t>
+                        <a:t>Done</a:t>
                       </a:r>
-                      <a:endParaRPr lang="en-US" sz="1100" kern="100">
+                      <a:endParaRPr lang="en-US" sz="1100" kern="100" dirty="0">
                         <a:effectLst/>
                         <a:latin typeface="Aptos" panose="020B0004020202020204" pitchFamily="34" charset="0"/>
                         <a:ea typeface="Aptos" panose="020B0004020202020204" pitchFamily="34" charset="0"/>
@@ -10444,7 +12437,7 @@
                         <a:rPr lang="en-US" sz="1100" kern="100" dirty="0">
                           <a:effectLst/>
                         </a:rPr>
-                        <a:t>In Progress</a:t>
+                        <a:t>Done</a:t>
                       </a:r>
                       <a:endParaRPr lang="en-US" sz="1100" kern="100" dirty="0">
                         <a:effectLst/>
@@ -10600,6 +12593,48 @@
           </a:p>
         </p:txBody>
       </p:sp>
+      <p:sp>
+        <p:nvSpPr>
+          <p:cNvPr id="3" name="TextBox 2">
+            <a:extLst>
+              <a:ext uri="{FF2B5EF4-FFF2-40B4-BE49-F238E27FC236}">
+                <a16:creationId xmlns:a16="http://schemas.microsoft.com/office/drawing/2014/main" id="{AA893916-1AF8-4020-3928-2D88D92C1522}"/>
+              </a:ext>
+            </a:extLst>
+          </p:cNvPr>
+          <p:cNvSpPr txBox="1"/>
+          <p:nvPr/>
+        </p:nvSpPr>
+        <p:spPr>
+          <a:xfrm>
+            <a:off x="11585072" y="210015"/>
+            <a:ext cx="300082" cy="646331"/>
+          </a:xfrm>
+          <a:prstGeom prst="rect">
+            <a:avLst/>
+          </a:prstGeom>
+          <a:noFill/>
+        </p:spPr>
+        <p:txBody>
+          <a:bodyPr wrap="none" rtlCol="0">
+            <a:spAutoFit/>
+          </a:bodyPr>
+          <a:lstStyle/>
+          <a:p>
+            <a:r>
+              <a:rPr lang="en-US" dirty="0">
+                <a:highlight>
+                  <a:srgbClr val="00FF00"/>
+                </a:highlight>
+              </a:rPr>
+              <a:t>_</a:t>
+            </a:r>
+          </a:p>
+          <a:p>
+            <a:endParaRPr lang="en-US" dirty="0"/>
+          </a:p>
+        </p:txBody>
+      </p:sp>
     </p:spTree>
     <p:extLst>
       <p:ext uri="{BB962C8B-B14F-4D97-AF65-F5344CB8AC3E}">
@@ -10613,7 +12648,7 @@
 </p:sld>
 </file>
 
-<file path=ppt/slides/slide6.xml><?xml version="1.0" encoding="utf-8"?>
+<file path=ppt/slides/slide7.xml><?xml version="1.0" encoding="utf-8"?>
 <p:sld xmlns:a="http://schemas.openxmlformats.org/drawingml/2006/main" xmlns:r="http://schemas.openxmlformats.org/officeDocument/2006/relationships" xmlns:p="http://schemas.openxmlformats.org/presentationml/2006/main">
   <p:cSld>
     <p:bg>
@@ -10805,6 +12840,48 @@
           </a:prstGeom>
         </p:spPr>
       </p:pic>
+      <p:sp>
+        <p:nvSpPr>
+          <p:cNvPr id="3" name="TextBox 2">
+            <a:extLst>
+              <a:ext uri="{FF2B5EF4-FFF2-40B4-BE49-F238E27FC236}">
+                <a16:creationId xmlns:a16="http://schemas.microsoft.com/office/drawing/2014/main" id="{1F0AF0A5-3368-73D9-6A9A-B9C9D27D8BED}"/>
+              </a:ext>
+            </a:extLst>
+          </p:cNvPr>
+          <p:cNvSpPr txBox="1"/>
+          <p:nvPr/>
+        </p:nvSpPr>
+        <p:spPr>
+          <a:xfrm>
+            <a:off x="11381678" y="334537"/>
+            <a:ext cx="300082" cy="646331"/>
+          </a:xfrm>
+          <a:prstGeom prst="rect">
+            <a:avLst/>
+          </a:prstGeom>
+          <a:noFill/>
+        </p:spPr>
+        <p:txBody>
+          <a:bodyPr wrap="none" rtlCol="0">
+            <a:spAutoFit/>
+          </a:bodyPr>
+          <a:lstStyle/>
+          <a:p>
+            <a:r>
+              <a:rPr lang="en-US" dirty="0">
+                <a:highlight>
+                  <a:srgbClr val="00FFFF"/>
+                </a:highlight>
+              </a:rPr>
+              <a:t>_</a:t>
+            </a:r>
+          </a:p>
+          <a:p>
+            <a:endParaRPr lang="en-US" dirty="0"/>
+          </a:p>
+        </p:txBody>
+      </p:sp>
     </p:spTree>
     <p:extLst>
       <p:ext uri="{BB962C8B-B14F-4D97-AF65-F5344CB8AC3E}">
@@ -10818,7 +12895,7 @@
 </p:sld>
 </file>
 
-<file path=ppt/slides/slide7.xml><?xml version="1.0" encoding="utf-8"?>
+<file path=ppt/slides/slide8.xml><?xml version="1.0" encoding="utf-8"?>
 <p:sld xmlns:a="http://schemas.openxmlformats.org/drawingml/2006/main" xmlns:r="http://schemas.openxmlformats.org/officeDocument/2006/relationships" xmlns:p="http://schemas.openxmlformats.org/presentationml/2006/main">
   <p:cSld>
     <p:bg>
@@ -10950,6 +13027,48 @@
           </a:prstGeom>
         </p:spPr>
       </p:pic>
+      <p:sp>
+        <p:nvSpPr>
+          <p:cNvPr id="3" name="TextBox 2">
+            <a:extLst>
+              <a:ext uri="{FF2B5EF4-FFF2-40B4-BE49-F238E27FC236}">
+                <a16:creationId xmlns:a16="http://schemas.microsoft.com/office/drawing/2014/main" id="{37AAF7DA-1377-CA36-28C4-3DAD901B0FC2}"/>
+              </a:ext>
+            </a:extLst>
+          </p:cNvPr>
+          <p:cNvSpPr txBox="1"/>
+          <p:nvPr/>
+        </p:nvSpPr>
+        <p:spPr>
+          <a:xfrm>
+            <a:off x="11433717" y="453483"/>
+            <a:ext cx="300082" cy="646331"/>
+          </a:xfrm>
+          <a:prstGeom prst="rect">
+            <a:avLst/>
+          </a:prstGeom>
+          <a:noFill/>
+        </p:spPr>
+        <p:txBody>
+          <a:bodyPr wrap="none" rtlCol="0">
+            <a:spAutoFit/>
+          </a:bodyPr>
+          <a:lstStyle/>
+          <a:p>
+            <a:r>
+              <a:rPr lang="en-US" dirty="0">
+                <a:highlight>
+                  <a:srgbClr val="00FFFF"/>
+                </a:highlight>
+              </a:rPr>
+              <a:t>_</a:t>
+            </a:r>
+          </a:p>
+          <a:p>
+            <a:endParaRPr lang="en-US" dirty="0"/>
+          </a:p>
+        </p:txBody>
+      </p:sp>
     </p:spTree>
     <p:extLst>
       <p:ext uri="{BB962C8B-B14F-4D97-AF65-F5344CB8AC3E}">
@@ -10963,7 +13082,7 @@
 </p:sld>
 </file>
 
-<file path=ppt/slides/slide8.xml><?xml version="1.0" encoding="utf-8"?>
+<file path=ppt/slides/slide9.xml><?xml version="1.0" encoding="utf-8"?>
 <p:sld xmlns:a="http://schemas.openxmlformats.org/drawingml/2006/main" xmlns:r="http://schemas.openxmlformats.org/officeDocument/2006/relationships" xmlns:p="http://schemas.openxmlformats.org/presentationml/2006/main">
   <p:cSld>
     <p:bg>
@@ -11064,124 +13183,12 @@
           </a:xfrm>
         </p:spPr>
       </p:pic>
-    </p:spTree>
-    <p:extLst>
-      <p:ext uri="{BB962C8B-B14F-4D97-AF65-F5344CB8AC3E}">
-        <p14:creationId xmlns:p14="http://schemas.microsoft.com/office/powerpoint/2010/main" val="1034568985"/>
-      </p:ext>
-    </p:extLst>
-  </p:cSld>
-  <p:clrMapOvr>
-    <a:masterClrMapping/>
-  </p:clrMapOvr>
-</p:sld>
-</file>
-
-<file path=ppt/slides/slide9.xml><?xml version="1.0" encoding="utf-8"?>
-<p:sld xmlns:a="http://schemas.openxmlformats.org/drawingml/2006/main" xmlns:r="http://schemas.openxmlformats.org/officeDocument/2006/relationships" xmlns:p="http://schemas.openxmlformats.org/presentationml/2006/main">
-  <p:cSld>
-    <p:spTree>
-      <p:nvGrpSpPr>
-        <p:cNvPr id="1" name=""/>
-        <p:cNvGrpSpPr/>
-        <p:nvPr/>
-      </p:nvGrpSpPr>
-      <p:grpSpPr>
-        <a:xfrm>
-          <a:off x="0" y="0"/>
-          <a:ext cx="0" cy="0"/>
-          <a:chOff x="0" y="0"/>
-          <a:chExt cx="0" cy="0"/>
-        </a:xfrm>
-      </p:grpSpPr>
-      <p:sp>
-        <p:nvSpPr>
-          <p:cNvPr id="2" name="Title 1">
+      <p:sp>
+        <p:nvSpPr>
+          <p:cNvPr id="3" name="TextBox 2">
             <a:extLst>
               <a:ext uri="{FF2B5EF4-FFF2-40B4-BE49-F238E27FC236}">
-                <a16:creationId xmlns:a16="http://schemas.microsoft.com/office/drawing/2014/main" id="{D40BEE4D-79BA-E14C-E10C-DA3AC8E92ED1}"/>
-              </a:ext>
-            </a:extLst>
-          </p:cNvPr>
-          <p:cNvSpPr>
-            <a:spLocks noGrp="1"/>
-          </p:cNvSpPr>
-          <p:nvPr>
-            <p:ph type="title"/>
-          </p:nvPr>
-        </p:nvSpPr>
-        <p:spPr>
-          <a:xfrm>
-            <a:off x="913774" y="300942"/>
-            <a:ext cx="10364451" cy="1103524"/>
-          </a:xfrm>
-        </p:spPr>
-        <p:txBody>
-          <a:bodyPr/>
-          <a:lstStyle/>
-          <a:p>
-            <a:r>
-              <a:rPr lang="en-US" dirty="0"/>
-              <a:t>Class diagrams</a:t>
-            </a:r>
-          </a:p>
-        </p:txBody>
-      </p:sp>
-      <p:pic>
-        <p:nvPicPr>
-          <p:cNvPr id="8" name="Picture 2">
-            <a:extLst>
-              <a:ext uri="{FF2B5EF4-FFF2-40B4-BE49-F238E27FC236}">
-                <a16:creationId xmlns:a16="http://schemas.microsoft.com/office/drawing/2014/main" id="{6A4BCBB3-0548-6083-4611-4EFFC17B9864}"/>
-              </a:ext>
-            </a:extLst>
-          </p:cNvPr>
-          <p:cNvPicPr>
-            <a:picLocks noGrp="1" noChangeAspect="1" noChangeArrowheads="1"/>
-          </p:cNvPicPr>
-          <p:nvPr>
-            <p:ph idx="1"/>
-          </p:nvPr>
-        </p:nvPicPr>
-        <p:blipFill>
-          <a:blip r:embed="rId2">
-            <a:extLst>
-              <a:ext uri="{28A0092B-C50C-407E-A947-70E740481C1C}">
-                <a14:useLocalDpi xmlns:a14="http://schemas.microsoft.com/office/drawing/2010/main" val="0"/>
-              </a:ext>
-            </a:extLst>
-          </a:blip>
-          <a:srcRect/>
-          <a:stretch>
-            <a:fillRect/>
-          </a:stretch>
-        </p:blipFill>
-        <p:spPr bwMode="auto">
-          <a:xfrm>
-            <a:off x="222802" y="1404466"/>
-            <a:ext cx="11746396" cy="4352081"/>
-          </a:xfrm>
-          <a:prstGeom prst="rect">
-            <a:avLst/>
-          </a:prstGeom>
-          <a:noFill/>
-          <a:extLst>
-            <a:ext uri="{909E8E84-426E-40DD-AFC4-6F175D3DCCD1}">
-              <a14:hiddenFill xmlns:a14="http://schemas.microsoft.com/office/drawing/2010/main">
-                <a:solidFill>
-                  <a:srgbClr val="FFFFFF"/>
-                </a:solidFill>
-              </a14:hiddenFill>
-            </a:ext>
-          </a:extLst>
-        </p:spPr>
-      </p:pic>
-      <p:sp>
-        <p:nvSpPr>
-          <p:cNvPr id="9" name="TextBox 8">
-            <a:extLst>
-              <a:ext uri="{FF2B5EF4-FFF2-40B4-BE49-F238E27FC236}">
-                <a16:creationId xmlns:a16="http://schemas.microsoft.com/office/drawing/2014/main" id="{1094F232-AE8F-2A70-FDD4-D034D9D32B1B}"/>
+                <a16:creationId xmlns:a16="http://schemas.microsoft.com/office/drawing/2014/main" id="{CEF0B681-B8EE-40F2-E34E-A5413F9164F2}"/>
               </a:ext>
             </a:extLst>
           </p:cNvPr>
@@ -11190,8 +13197,8 @@
         </p:nvSpPr>
         <p:spPr>
           <a:xfrm>
-            <a:off x="3781062" y="6372392"/>
-            <a:ext cx="4629873" cy="369332"/>
+            <a:off x="11537795" y="401444"/>
+            <a:ext cx="300082" cy="646331"/>
           </a:xfrm>
           <a:prstGeom prst="rect">
             <a:avLst/>
@@ -11199,22 +13206,29 @@
           <a:noFill/>
         </p:spPr>
         <p:txBody>
-          <a:bodyPr wrap="square" rtlCol="0">
+          <a:bodyPr wrap="none" rtlCol="0">
             <a:spAutoFit/>
           </a:bodyPr>
           <a:lstStyle/>
           <a:p>
             <a:r>
-              <a:rPr lang="en-US" dirty="0"/>
-              <a:t>Created by Visual Studio 2022 from source</a:t>
-            </a:r>
+              <a:rPr lang="en-US" dirty="0">
+                <a:highlight>
+                  <a:srgbClr val="00FF00"/>
+                </a:highlight>
+              </a:rPr>
+              <a:t>_</a:t>
+            </a:r>
+          </a:p>
+          <a:p>
+            <a:endParaRPr lang="en-US" dirty="0"/>
           </a:p>
         </p:txBody>
       </p:sp>
     </p:spTree>
     <p:extLst>
       <p:ext uri="{BB962C8B-B14F-4D97-AF65-F5344CB8AC3E}">
-        <p14:creationId xmlns:p14="http://schemas.microsoft.com/office/powerpoint/2010/main" val="737315543"/>
+        <p14:creationId xmlns:p14="http://schemas.microsoft.com/office/powerpoint/2010/main" val="1034568985"/>
       </p:ext>
     </p:extLst>
   </p:cSld>
